--- a/sline.pptx
+++ b/sline.pptx
@@ -9,10 +9,11 @@
     <p:sldId id="257" r:id="rId3"/>
     <p:sldId id="258" r:id="rId4"/>
     <p:sldId id="260" r:id="rId5"/>
-    <p:sldId id="259" r:id="rId6"/>
-    <p:sldId id="265" r:id="rId7"/>
+    <p:sldId id="266" r:id="rId6"/>
+    <p:sldId id="267" r:id="rId7"/>
     <p:sldId id="264" r:id="rId8"/>
-    <p:sldId id="263" r:id="rId9"/>
+    <p:sldId id="268" r:id="rId9"/>
+    <p:sldId id="270" r:id="rId10"/>
   </p:sldIdLst>
   <p:sldSz cx="12192000" cy="6858000"/>
   <p:notesSz cx="6858000" cy="9144000"/>
@@ -451,7 +452,7 @@
             <a:fld id="{B61BEF0D-F0BB-DE4B-95CE-6DB70DBA9567}" type="datetimeFigureOut">
               <a:rPr lang="en-US" dirty="0"/>
               <a:pPr/>
-              <a:t>17/10/2018</a:t>
+              <a:t>18/10/2018</a:t>
             </a:fld>
             <a:endParaRPr lang="en-US" dirty="0"/>
           </a:p>
@@ -772,7 +773,7 @@
             <a:fld id="{B61BEF0D-F0BB-DE4B-95CE-6DB70DBA9567}" type="datetimeFigureOut">
               <a:rPr lang="en-US" dirty="0"/>
               <a:pPr/>
-              <a:t>17/10/2018</a:t>
+              <a:t>18/10/2018</a:t>
             </a:fld>
             <a:endParaRPr lang="en-US" dirty="0"/>
           </a:p>
@@ -1017,7 +1018,7 @@
             <a:fld id="{B61BEF0D-F0BB-DE4B-95CE-6DB70DBA9567}" type="datetimeFigureOut">
               <a:rPr lang="en-US" dirty="0"/>
               <a:pPr/>
-              <a:t>17/10/2018</a:t>
+              <a:t>18/10/2018</a:t>
             </a:fld>
             <a:endParaRPr lang="en-US" dirty="0"/>
           </a:p>
@@ -1353,7 +1354,7 @@
             <a:fld id="{B61BEF0D-F0BB-DE4B-95CE-6DB70DBA9567}" type="datetimeFigureOut">
               <a:rPr lang="en-US" dirty="0"/>
               <a:pPr/>
-              <a:t>17/10/2018</a:t>
+              <a:t>18/10/2018</a:t>
             </a:fld>
             <a:endParaRPr lang="en-US" dirty="0"/>
           </a:p>
@@ -1697,7 +1698,7 @@
             <a:fld id="{B61BEF0D-F0BB-DE4B-95CE-6DB70DBA9567}" type="datetimeFigureOut">
               <a:rPr lang="en-US" dirty="0"/>
               <a:pPr/>
-              <a:t>17/10/2018</a:t>
+              <a:t>18/10/2018</a:t>
             </a:fld>
             <a:endParaRPr lang="en-US" dirty="0"/>
           </a:p>
@@ -2068,7 +2069,7 @@
             <a:fld id="{B61BEF0D-F0BB-DE4B-95CE-6DB70DBA9567}" type="datetimeFigureOut">
               <a:rPr lang="en-US" dirty="0"/>
               <a:pPr/>
-              <a:t>17/10/2018</a:t>
+              <a:t>18/10/2018</a:t>
             </a:fld>
             <a:endParaRPr lang="en-US" dirty="0"/>
           </a:p>
@@ -2535,7 +2536,7 @@
             <a:fld id="{B61BEF0D-F0BB-DE4B-95CE-6DB70DBA9567}" type="datetimeFigureOut">
               <a:rPr lang="en-US" dirty="0"/>
               <a:pPr/>
-              <a:t>17/10/2018</a:t>
+              <a:t>18/10/2018</a:t>
             </a:fld>
             <a:endParaRPr lang="en-US" dirty="0"/>
           </a:p>
@@ -2737,7 +2738,7 @@
             <a:fld id="{B61BEF0D-F0BB-DE4B-95CE-6DB70DBA9567}" type="datetimeFigureOut">
               <a:rPr lang="en-US" dirty="0"/>
               <a:pPr/>
-              <a:t>17/10/2018</a:t>
+              <a:t>18/10/2018</a:t>
             </a:fld>
             <a:endParaRPr lang="en-US" dirty="0"/>
           </a:p>
@@ -2945,7 +2946,7 @@
             <a:fld id="{B61BEF0D-F0BB-DE4B-95CE-6DB70DBA9567}" type="datetimeFigureOut">
               <a:rPr lang="en-US" dirty="0"/>
               <a:pPr/>
-              <a:t>17/10/2018</a:t>
+              <a:t>18/10/2018</a:t>
             </a:fld>
             <a:endParaRPr lang="en-US" dirty="0"/>
           </a:p>
@@ -3173,7 +3174,7 @@
           <a:p>
             <a:fld id="{52647F38-B617-4D2F-AE0A-013F0C4D2C57}" type="datetimeFigureOut">
               <a:rPr lang="en-US" dirty="0"/>
-              <a:t>17/10/2018</a:t>
+              <a:t>18/10/2018</a:t>
             </a:fld>
             <a:endParaRPr lang="en-US" dirty="0"/>
           </a:p>
@@ -3417,7 +3418,7 @@
             <a:fld id="{B61BEF0D-F0BB-DE4B-95CE-6DB70DBA9567}" type="datetimeFigureOut">
               <a:rPr lang="en-US" dirty="0"/>
               <a:pPr/>
-              <a:t>17/10/2018</a:t>
+              <a:t>18/10/2018</a:t>
             </a:fld>
             <a:endParaRPr lang="en-US" dirty="0"/>
           </a:p>
@@ -3711,7 +3712,7 @@
           <a:p>
             <a:fld id="{05BFA754-D5C3-4E66-96A6-867B257F58DC}" type="datetimeFigureOut">
               <a:rPr lang="en-US" dirty="0"/>
-              <a:t>17/10/2018</a:t>
+              <a:t>18/10/2018</a:t>
             </a:fld>
             <a:endParaRPr lang="en-US" dirty="0"/>
           </a:p>
@@ -4101,7 +4102,7 @@
             <a:fld id="{B61BEF0D-F0BB-DE4B-95CE-6DB70DBA9567}" type="datetimeFigureOut">
               <a:rPr lang="en-US" dirty="0"/>
               <a:pPr/>
-              <a:t>17/10/2018</a:t>
+              <a:t>18/10/2018</a:t>
             </a:fld>
             <a:endParaRPr lang="en-US" dirty="0"/>
           </a:p>
@@ -4247,7 +4248,7 @@
             <a:fld id="{B61BEF0D-F0BB-DE4B-95CE-6DB70DBA9567}" type="datetimeFigureOut">
               <a:rPr lang="en-US" dirty="0"/>
               <a:pPr/>
-              <a:t>17/10/2018</a:t>
+              <a:t>18/10/2018</a:t>
             </a:fld>
             <a:endParaRPr lang="en-US" dirty="0"/>
           </a:p>
@@ -4370,7 +4371,7 @@
             <a:fld id="{B61BEF0D-F0BB-DE4B-95CE-6DB70DBA9567}" type="datetimeFigureOut">
               <a:rPr lang="en-US" dirty="0"/>
               <a:pPr/>
-              <a:t>17/10/2018</a:t>
+              <a:t>18/10/2018</a:t>
             </a:fld>
             <a:endParaRPr lang="en-US" dirty="0"/>
           </a:p>
@@ -4622,7 +4623,7 @@
             <a:fld id="{B61BEF0D-F0BB-DE4B-95CE-6DB70DBA9567}" type="datetimeFigureOut">
               <a:rPr lang="en-US" dirty="0"/>
               <a:pPr/>
-              <a:t>17/10/2018</a:t>
+              <a:t>18/10/2018</a:t>
             </a:fld>
             <a:endParaRPr lang="en-US" dirty="0"/>
           </a:p>
@@ -4934,7 +4935,7 @@
             <a:fld id="{B61BEF0D-F0BB-DE4B-95CE-6DB70DBA9567}" type="datetimeFigureOut">
               <a:rPr lang="en-US" dirty="0"/>
               <a:pPr/>
-              <a:t>17/10/2018</a:t>
+              <a:t>18/10/2018</a:t>
             </a:fld>
             <a:endParaRPr lang="en-US" dirty="0"/>
           </a:p>
@@ -5282,7 +5283,7 @@
             <a:fld id="{B61BEF0D-F0BB-DE4B-95CE-6DB70DBA9567}" type="datetimeFigureOut">
               <a:rPr lang="en-US" dirty="0"/>
               <a:pPr/>
-              <a:t>17/10/2018</a:t>
+              <a:t>18/10/2018</a:t>
             </a:fld>
             <a:endParaRPr lang="en-US" dirty="0"/>
           </a:p>
@@ -6368,73 +6369,103 @@
             <p:ph idx="1"/>
           </p:nvPr>
         </p:nvSpPr>
-        <p:spPr/>
+        <p:spPr>
+          <a:xfrm>
+            <a:off x="1295402" y="2492536"/>
+            <a:ext cx="9601196" cy="3663564"/>
+          </a:xfrm>
+        </p:spPr>
         <p:txBody>
           <a:bodyPr>
-            <a:normAutofit fontScale="70000" lnSpcReduction="20000"/>
+            <a:noAutofit/>
           </a:bodyPr>
           <a:lstStyle/>
           <a:p>
-            <a:r>
-              <a:rPr lang="en-US" sz="3400" dirty="0" smtClean="0"/>
+            <a:pPr marL="0" indent="0" algn="ctr">
+              <a:buNone/>
+            </a:pPr>
+            <a:r>
+              <a:rPr lang="en-US" sz="2200" dirty="0" smtClean="0"/>
               <a:t>Website </a:t>
             </a:r>
             <a:r>
-              <a:rPr lang="en-US" sz="3400" dirty="0" err="1" smtClean="0"/>
+              <a:rPr lang="en-US" sz="2200" dirty="0" err="1" smtClean="0"/>
               <a:t>gồm</a:t>
             </a:r>
             <a:r>
-              <a:rPr lang="en-US" sz="3400" dirty="0" smtClean="0"/>
-              <a:t> 5 </a:t>
-            </a:r>
-            <a:r>
-              <a:rPr lang="en-US" sz="3400" dirty="0" err="1" smtClean="0"/>
+              <a:rPr lang="en-US" sz="2200" dirty="0" smtClean="0"/>
+              <a:t> </a:t>
+            </a:r>
+            <a:r>
+              <a:rPr lang="en-US" sz="2200" dirty="0"/>
+              <a:t>5</a:t>
+            </a:r>
+            <a:r>
+              <a:rPr lang="en-US" sz="2200" dirty="0" smtClean="0"/>
+              <a:t> </a:t>
+            </a:r>
+            <a:r>
+              <a:rPr lang="en-US" sz="2200" dirty="0" err="1" smtClean="0"/>
               <a:t>phần</a:t>
             </a:r>
             <a:r>
-              <a:rPr lang="en-US" sz="3400" dirty="0" smtClean="0"/>
-              <a:t> </a:t>
-            </a:r>
-            <a:r>
-              <a:rPr lang="en-US" sz="3400" dirty="0" err="1" smtClean="0"/>
+              <a:rPr lang="en-US" sz="2200" dirty="0" smtClean="0"/>
+              <a:t> </a:t>
+            </a:r>
+            <a:r>
+              <a:rPr lang="en-US" sz="2200" dirty="0" err="1" smtClean="0"/>
               <a:t>chính</a:t>
             </a:r>
             <a:r>
-              <a:rPr lang="en-US" sz="3400" dirty="0" smtClean="0"/>
-              <a:t> : -Home,</a:t>
-            </a:r>
-          </a:p>
-          <a:p>
-            <a:pPr marL="0" indent="0">
-              <a:buNone/>
-            </a:pPr>
-            <a:r>
-              <a:rPr lang="en-US" sz="3400" dirty="0" smtClean="0"/>
-              <a:t>	- Product, </a:t>
-            </a:r>
-            <a:r>
-              <a:rPr lang="en-US" sz="3400" dirty="0" smtClean="0"/>
-              <a:t>Product detail</a:t>
-            </a:r>
-          </a:p>
-          <a:p>
-            <a:pPr marL="0" indent="0">
-              <a:buNone/>
-            </a:pPr>
-            <a:r>
-              <a:rPr lang="en-US" sz="3400" dirty="0" smtClean="0"/>
-              <a:t>	- Search</a:t>
-            </a:r>
-          </a:p>
-          <a:p>
-            <a:pPr marL="0" lvl="0" indent="0">
-              <a:buClr>
-                <a:srgbClr val="83992A"/>
-              </a:buClr>
-              <a:buNone/>
-            </a:pPr>
-            <a:r>
-              <a:rPr lang="en-US" sz="3400" dirty="0" smtClean="0">
+              <a:rPr lang="en-US" sz="2200" dirty="0" smtClean="0"/>
+              <a:t> </a:t>
+            </a:r>
+            <a:r>
+              <a:rPr lang="en-US" sz="2200" dirty="0" smtClean="0"/>
+              <a:t>:</a:t>
+            </a:r>
+          </a:p>
+          <a:p>
+            <a:r>
+              <a:rPr lang="en-US" sz="2200" dirty="0" err="1" smtClean="0"/>
+              <a:t>Về</a:t>
+            </a:r>
+            <a:r>
+              <a:rPr lang="en-US" sz="2200" dirty="0" smtClean="0"/>
+              <a:t> </a:t>
+            </a:r>
+            <a:r>
+              <a:rPr lang="en-US" sz="2200" dirty="0" err="1" smtClean="0"/>
+              <a:t>sản</a:t>
+            </a:r>
+            <a:r>
+              <a:rPr lang="en-US" sz="2200" dirty="0" smtClean="0"/>
+              <a:t> </a:t>
+            </a:r>
+            <a:r>
+              <a:rPr lang="en-US" sz="2200" dirty="0" err="1" smtClean="0"/>
+              <a:t>phẩm</a:t>
+            </a:r>
+            <a:r>
+              <a:rPr lang="en-US" sz="2200" dirty="0" smtClean="0"/>
+              <a:t> :</a:t>
+            </a:r>
+            <a:r>
+              <a:rPr lang="en-US" sz="2200" dirty="0" smtClean="0"/>
+              <a:t> Home, </a:t>
+            </a:r>
+            <a:r>
+              <a:rPr lang="en-US" sz="2200" dirty="0" smtClean="0"/>
+              <a:t>Product, Product </a:t>
+            </a:r>
+            <a:r>
+              <a:rPr lang="en-US" sz="2200" dirty="0" smtClean="0"/>
+              <a:t>detail, Search</a:t>
+            </a:r>
+          </a:p>
+          <a:p>
+            <a:r>
+              <a:rPr lang="en-US" sz="2200" dirty="0" err="1" smtClean="0">
                 <a:solidFill>
                   <a:prstClr val="black">
                     <a:lumMod val="85000"/>
@@ -6442,10 +6473,10 @@
                   </a:prstClr>
                 </a:solidFill>
               </a:rPr>
-              <a:t>	-</a:t>
-            </a:r>
-            <a:r>
-              <a:rPr lang="en-US" sz="3400" dirty="0" err="1">
+              <a:t>Mua</a:t>
+            </a:r>
+            <a:r>
+              <a:rPr lang="en-US" sz="2200" dirty="0" smtClean="0">
                 <a:solidFill>
                   <a:prstClr val="black">
                     <a:lumMod val="85000"/>
@@ -6453,10 +6484,10 @@
                   </a:prstClr>
                 </a:solidFill>
               </a:rPr>
-              <a:t>T</a:t>
-            </a:r>
-            <a:r>
-              <a:rPr lang="en-US" sz="3400" dirty="0" err="1" smtClean="0">
+              <a:t> </a:t>
+            </a:r>
+            <a:r>
+              <a:rPr lang="en-US" sz="2200" dirty="0" err="1" smtClean="0">
                 <a:solidFill>
                   <a:prstClr val="black">
                     <a:lumMod val="85000"/>
@@ -6464,10 +6495,10 @@
                   </a:prstClr>
                 </a:solidFill>
               </a:rPr>
-              <a:t>hanh</a:t>
-            </a:r>
-            <a:r>
-              <a:rPr lang="en-US" sz="3400" dirty="0" smtClean="0">
+              <a:t>hàng</a:t>
+            </a:r>
+            <a:r>
+              <a:rPr lang="en-US" sz="2200" dirty="0" smtClean="0">
                 <a:solidFill>
                   <a:prstClr val="black">
                     <a:lumMod val="85000"/>
@@ -6475,10 +6506,10 @@
                   </a:prstClr>
                 </a:solidFill>
               </a:rPr>
-              <a:t> </a:t>
-            </a:r>
-            <a:r>
-              <a:rPr lang="en-US" sz="3400" dirty="0" err="1" smtClean="0">
+              <a:t>: Add to Card, Wish </a:t>
+            </a:r>
+            <a:r>
+              <a:rPr lang="en-US" sz="2200" dirty="0" err="1" smtClean="0">
                 <a:solidFill>
                   <a:prstClr val="black">
                     <a:lumMod val="85000"/>
@@ -6486,10 +6517,10 @@
                   </a:prstClr>
                 </a:solidFill>
               </a:rPr>
-              <a:t>toán</a:t>
-            </a:r>
-            <a:r>
-              <a:rPr lang="en-US" sz="3400" dirty="0" smtClean="0">
+              <a:t>lish</a:t>
+            </a:r>
+            <a:r>
+              <a:rPr lang="en-US" sz="2200" dirty="0" smtClean="0">
                 <a:solidFill>
                   <a:prstClr val="black">
                     <a:lumMod val="85000"/>
@@ -6497,10 +6528,10 @@
                   </a:prstClr>
                 </a:solidFill>
               </a:rPr>
-              <a:t>, </a:t>
-            </a:r>
-            <a:r>
-              <a:rPr lang="en-US" sz="3400" dirty="0" err="1" smtClean="0">
+              <a:t>, Compare, Card, </a:t>
+            </a:r>
+            <a:r>
+              <a:rPr lang="en-US" sz="2200" dirty="0" err="1" smtClean="0">
                 <a:solidFill>
                   <a:prstClr val="black">
                     <a:lumMod val="85000"/>
@@ -6508,10 +6539,10 @@
                   </a:prstClr>
                 </a:solidFill>
               </a:rPr>
-              <a:t>lựa</a:t>
-            </a:r>
-            <a:r>
-              <a:rPr lang="en-US" sz="3400" dirty="0" smtClean="0">
+              <a:t>Liên</a:t>
+            </a:r>
+            <a:r>
+              <a:rPr lang="en-US" sz="2200" dirty="0" smtClean="0">
                 <a:solidFill>
                   <a:prstClr val="black">
                     <a:lumMod val="85000"/>
@@ -6519,10 +6550,10 @@
                   </a:prstClr>
                 </a:solidFill>
               </a:rPr>
-              <a:t> chon, so </a:t>
-            </a:r>
-            <a:r>
-              <a:rPr lang="en-US" sz="3400" dirty="0" err="1" smtClean="0">
+              <a:t> </a:t>
+            </a:r>
+            <a:r>
+              <a:rPr lang="en-US" sz="2200" dirty="0" err="1" smtClean="0">
                 <a:solidFill>
                   <a:prstClr val="black">
                     <a:lumMod val="85000"/>
@@ -6530,10 +6561,10 @@
                   </a:prstClr>
                 </a:solidFill>
               </a:rPr>
-              <a:t>sánh</a:t>
-            </a:r>
-            <a:r>
-              <a:rPr lang="en-US" sz="3400" dirty="0" smtClean="0">
+              <a:t>kết</a:t>
+            </a:r>
+            <a:r>
+              <a:rPr lang="en-US" sz="2200" dirty="0" smtClean="0">
                 <a:solidFill>
                   <a:prstClr val="black">
                     <a:lumMod val="85000"/>
@@ -6541,9 +6572,86 @@
                   </a:prstClr>
                 </a:solidFill>
               </a:rPr>
-              <a:t> sp.</a:t>
-            </a:r>
-            <a:endParaRPr lang="en-US" sz="3400" dirty="0">
+              <a:t> </a:t>
+            </a:r>
+            <a:r>
+              <a:rPr lang="en-US" sz="2200" dirty="0" err="1" smtClean="0">
+                <a:solidFill>
+                  <a:prstClr val="black">
+                    <a:lumMod val="85000"/>
+                    <a:lumOff val="15000"/>
+                  </a:prstClr>
+                </a:solidFill>
+              </a:rPr>
+              <a:t>với</a:t>
+            </a:r>
+            <a:r>
+              <a:rPr lang="en-US" sz="2200" dirty="0" smtClean="0">
+                <a:solidFill>
+                  <a:prstClr val="black">
+                    <a:lumMod val="85000"/>
+                    <a:lumOff val="15000"/>
+                  </a:prstClr>
+                </a:solidFill>
+              </a:rPr>
+              <a:t> </a:t>
+            </a:r>
+            <a:r>
+              <a:rPr lang="en-US" sz="2200" dirty="0" err="1" smtClean="0">
+                <a:solidFill>
+                  <a:prstClr val="black">
+                    <a:lumMod val="85000"/>
+                    <a:lumOff val="15000"/>
+                  </a:prstClr>
+                </a:solidFill>
+              </a:rPr>
+              <a:t>các</a:t>
+            </a:r>
+            <a:r>
+              <a:rPr lang="en-US" sz="2200" dirty="0" smtClean="0">
+                <a:solidFill>
+                  <a:prstClr val="black">
+                    <a:lumMod val="85000"/>
+                    <a:lumOff val="15000"/>
+                  </a:prstClr>
+                </a:solidFill>
+              </a:rPr>
+              <a:t> hang </a:t>
+            </a:r>
+            <a:r>
+              <a:rPr lang="en-US" sz="2200" dirty="0" err="1" smtClean="0">
+                <a:solidFill>
+                  <a:prstClr val="black">
+                    <a:lumMod val="85000"/>
+                    <a:lumOff val="15000"/>
+                  </a:prstClr>
+                </a:solidFill>
+              </a:rPr>
+              <a:t>thanh</a:t>
+            </a:r>
+            <a:r>
+              <a:rPr lang="en-US" sz="2200" dirty="0" smtClean="0">
+                <a:solidFill>
+                  <a:prstClr val="black">
+                    <a:lumMod val="85000"/>
+                    <a:lumOff val="15000"/>
+                  </a:prstClr>
+                </a:solidFill>
+              </a:rPr>
+              <a:t> </a:t>
+            </a:r>
+            <a:r>
+              <a:rPr lang="en-US" sz="2200" dirty="0" err="1" smtClean="0">
+                <a:solidFill>
+                  <a:prstClr val="black">
+                    <a:lumMod val="85000"/>
+                    <a:lumOff val="15000"/>
+                  </a:prstClr>
+                </a:solidFill>
+              </a:rPr>
+              <a:t>toán</a:t>
+            </a:r>
+            <a:endParaRPr lang="en-US" sz="2200" dirty="0" smtClean="0">
               <a:solidFill>
                 <a:prstClr val="black">
                   <a:lumMod val="85000"/>
@@ -6553,58 +6661,315 @@
             </a:endParaRPr>
           </a:p>
           <a:p>
-            <a:pPr marL="0" lvl="1" indent="0">
-              <a:buNone/>
-            </a:pPr>
-            <a:r>
-              <a:rPr lang="en-US" sz="3400" dirty="0" smtClean="0"/>
-              <a:t>	</a:t>
-            </a:r>
-            <a:r>
-              <a:rPr lang="en-US" sz="3400" dirty="0" smtClean="0"/>
-              <a:t>-</a:t>
-            </a:r>
-            <a:r>
-              <a:rPr lang="en-US" sz="3400" dirty="0" smtClean="0"/>
-              <a:t>Contact,</a:t>
-            </a:r>
-            <a:r>
-              <a:rPr lang="en-US" sz="3400" dirty="0"/>
-              <a:t> About </a:t>
-            </a:r>
-            <a:r>
-              <a:rPr lang="en-US" sz="3400" dirty="0" smtClean="0"/>
-              <a:t>Us, feedback</a:t>
-            </a:r>
-            <a:endParaRPr lang="en-US" sz="3400" dirty="0"/>
-          </a:p>
-          <a:p>
-            <a:pPr marL="0" indent="0">
-              <a:buNone/>
-            </a:pPr>
-            <a:r>
-              <a:rPr lang="en-US" sz="3400" dirty="0" smtClean="0"/>
-              <a:t>	</a:t>
-            </a:r>
-            <a:r>
-              <a:rPr lang="en-US" sz="3400" dirty="0" smtClean="0"/>
-              <a:t>-Sign in-Sign up</a:t>
-            </a:r>
-            <a:endParaRPr lang="en-US" sz="3400" dirty="0" smtClean="0"/>
-          </a:p>
-          <a:p>
-            <a:pPr marL="0" indent="0">
-              <a:buNone/>
-            </a:pPr>
-            <a:r>
-              <a:rPr lang="en-US" sz="3400" dirty="0"/>
-              <a:t>	</a:t>
-            </a:r>
-            <a:endParaRPr lang="en-US" sz="3400" dirty="0" smtClean="0"/>
-          </a:p>
-          <a:p>
-            <a:pPr lvl="2"/>
-            <a:endParaRPr lang="en-US" dirty="0"/>
+            <a:r>
+              <a:rPr lang="en-US" sz="2200" dirty="0" err="1" smtClean="0">
+                <a:solidFill>
+                  <a:prstClr val="black">
+                    <a:lumMod val="85000"/>
+                    <a:lumOff val="15000"/>
+                  </a:prstClr>
+                </a:solidFill>
+              </a:rPr>
+              <a:t>Các</a:t>
+            </a:r>
+            <a:r>
+              <a:rPr lang="en-US" sz="2200" dirty="0" smtClean="0">
+                <a:solidFill>
+                  <a:prstClr val="black">
+                    <a:lumMod val="85000"/>
+                    <a:lumOff val="15000"/>
+                  </a:prstClr>
+                </a:solidFill>
+              </a:rPr>
+              <a:t> </a:t>
+            </a:r>
+            <a:r>
+              <a:rPr lang="en-US" sz="2200" dirty="0" err="1" smtClean="0">
+                <a:solidFill>
+                  <a:prstClr val="black">
+                    <a:lumMod val="85000"/>
+                    <a:lumOff val="15000"/>
+                  </a:prstClr>
+                </a:solidFill>
+              </a:rPr>
+              <a:t>dịch</a:t>
+            </a:r>
+            <a:r>
+              <a:rPr lang="en-US" sz="2200" dirty="0">
+                <a:solidFill>
+                  <a:prstClr val="black">
+                    <a:lumMod val="85000"/>
+                    <a:lumOff val="15000"/>
+                  </a:prstClr>
+                </a:solidFill>
+              </a:rPr>
+              <a:t> </a:t>
+            </a:r>
+            <a:r>
+              <a:rPr lang="en-US" sz="2200" dirty="0" err="1" smtClean="0">
+                <a:solidFill>
+                  <a:prstClr val="black">
+                    <a:lumMod val="85000"/>
+                    <a:lumOff val="15000"/>
+                  </a:prstClr>
+                </a:solidFill>
+              </a:rPr>
+              <a:t>vụ</a:t>
+            </a:r>
+            <a:r>
+              <a:rPr lang="en-US" sz="2200" dirty="0" smtClean="0">
+                <a:solidFill>
+                  <a:prstClr val="black">
+                    <a:lumMod val="85000"/>
+                    <a:lumOff val="15000"/>
+                  </a:prstClr>
+                </a:solidFill>
+              </a:rPr>
+              <a:t> </a:t>
+            </a:r>
+            <a:r>
+              <a:rPr lang="en-US" sz="2200" dirty="0" err="1" smtClean="0">
+                <a:solidFill>
+                  <a:prstClr val="black">
+                    <a:lumMod val="85000"/>
+                    <a:lumOff val="15000"/>
+                  </a:prstClr>
+                </a:solidFill>
+              </a:rPr>
+              <a:t>đi</a:t>
+            </a:r>
+            <a:r>
+              <a:rPr lang="en-US" sz="2200" dirty="0" smtClean="0">
+                <a:solidFill>
+                  <a:prstClr val="black">
+                    <a:lumMod val="85000"/>
+                    <a:lumOff val="15000"/>
+                  </a:prstClr>
+                </a:solidFill>
+              </a:rPr>
+              <a:t> </a:t>
+            </a:r>
+            <a:r>
+              <a:rPr lang="en-US" sz="2200" dirty="0" err="1" smtClean="0">
+                <a:solidFill>
+                  <a:prstClr val="black">
+                    <a:lumMod val="85000"/>
+                    <a:lumOff val="15000"/>
+                  </a:prstClr>
+                </a:solidFill>
+              </a:rPr>
+              <a:t>kèm</a:t>
+            </a:r>
+            <a:r>
+              <a:rPr lang="en-US" sz="2200" dirty="0" smtClean="0">
+                <a:solidFill>
+                  <a:prstClr val="black">
+                    <a:lumMod val="85000"/>
+                    <a:lumOff val="15000"/>
+                  </a:prstClr>
+                </a:solidFill>
+              </a:rPr>
+              <a:t>: Free </a:t>
+            </a:r>
+            <a:r>
+              <a:rPr lang="en-US" sz="2200" dirty="0">
+                <a:solidFill>
+                  <a:prstClr val="black">
+                    <a:lumMod val="85000"/>
+                    <a:lumOff val="15000"/>
+                  </a:prstClr>
+                </a:solidFill>
+              </a:rPr>
+              <a:t>shipping</a:t>
+            </a:r>
+            <a:r>
+              <a:rPr lang="en-US" sz="2200" dirty="0">
+                <a:solidFill>
+                  <a:prstClr val="black">
+                    <a:lumMod val="85000"/>
+                    <a:lumOff val="15000"/>
+                  </a:prstClr>
+                </a:solidFill>
+              </a:rPr>
+              <a:t>, </a:t>
+            </a:r>
+            <a:r>
+              <a:rPr lang="en-US" sz="2200" dirty="0">
+                <a:solidFill>
+                  <a:prstClr val="black">
+                    <a:lumMod val="85000"/>
+                    <a:lumOff val="15000"/>
+                  </a:prstClr>
+                </a:solidFill>
+              </a:rPr>
+              <a:t>Customer Service 27/7, </a:t>
+            </a:r>
+            <a:r>
+              <a:rPr lang="en-US" sz="2200" dirty="0" smtClean="0">
+                <a:solidFill>
+                  <a:prstClr val="black">
+                    <a:lumMod val="85000"/>
+                    <a:lumOff val="15000"/>
+                  </a:prstClr>
+                </a:solidFill>
+              </a:rPr>
+              <a:t>100% Money back.</a:t>
+            </a:r>
+          </a:p>
+          <a:p>
+            <a:pPr marL="285750" lvl="1"/>
+            <a:r>
+              <a:rPr lang="en-US" sz="2200" dirty="0" err="1" smtClean="0"/>
+              <a:t>Về</a:t>
+            </a:r>
+            <a:r>
+              <a:rPr lang="en-US" sz="2200" dirty="0" smtClean="0"/>
+              <a:t> </a:t>
+            </a:r>
+            <a:r>
+              <a:rPr lang="en-US" sz="2200" dirty="0" err="1" smtClean="0"/>
+              <a:t>chúng</a:t>
+            </a:r>
+            <a:r>
+              <a:rPr lang="en-US" sz="2200" dirty="0" smtClean="0"/>
+              <a:t> </a:t>
+            </a:r>
+            <a:r>
+              <a:rPr lang="en-US" sz="2200" dirty="0" err="1" smtClean="0"/>
+              <a:t>tôi</a:t>
+            </a:r>
+            <a:r>
+              <a:rPr lang="en-US" sz="2200" dirty="0" smtClean="0"/>
+              <a:t>: Contact</a:t>
+            </a:r>
+            <a:r>
+              <a:rPr lang="en-US" sz="2200" dirty="0"/>
+              <a:t>, About Us, F</a:t>
+            </a:r>
+            <a:r>
+              <a:rPr lang="en-US" sz="2200" dirty="0" smtClean="0"/>
+              <a:t>eedback, Job</a:t>
+            </a:r>
+          </a:p>
+          <a:p>
+            <a:pPr marL="285750" lvl="1"/>
+            <a:r>
+              <a:rPr lang="en-US" sz="2200" dirty="0"/>
+              <a:t>Account, </a:t>
+            </a:r>
+            <a:r>
+              <a:rPr lang="en-US" sz="2200" dirty="0" err="1"/>
+              <a:t>Tiện</a:t>
+            </a:r>
+            <a:r>
+              <a:rPr lang="en-US" sz="2200" dirty="0"/>
+              <a:t> </a:t>
+            </a:r>
+            <a:r>
+              <a:rPr lang="en-US" sz="2200" dirty="0" err="1"/>
+              <a:t>ích</a:t>
+            </a:r>
+            <a:r>
+              <a:rPr lang="en-US" sz="2200" dirty="0"/>
+              <a:t> </a:t>
+            </a:r>
+            <a:r>
+              <a:rPr lang="en-US" sz="2200" dirty="0" err="1"/>
+              <a:t>khác</a:t>
+            </a:r>
+            <a:r>
+              <a:rPr lang="en-US" sz="2200" dirty="0"/>
+              <a:t> : Sign in -Sign up , chia </a:t>
+            </a:r>
+            <a:r>
+              <a:rPr lang="en-US" sz="2200" dirty="0" err="1"/>
+              <a:t>sẻ</a:t>
+            </a:r>
+            <a:r>
+              <a:rPr lang="en-US" sz="2200" dirty="0"/>
+              <a:t> </a:t>
+            </a:r>
+            <a:r>
+              <a:rPr lang="en-US" sz="2200" dirty="0" err="1"/>
+              <a:t>các</a:t>
+            </a:r>
+            <a:r>
+              <a:rPr lang="en-US" sz="2200" dirty="0"/>
+              <a:t> </a:t>
+            </a:r>
+            <a:r>
+              <a:rPr lang="en-US" sz="2200" dirty="0" err="1"/>
+              <a:t>trang</a:t>
+            </a:r>
+            <a:r>
+              <a:rPr lang="en-US" sz="2200" dirty="0"/>
+              <a:t> </a:t>
+            </a:r>
+            <a:r>
+              <a:rPr lang="en-US" sz="2200" dirty="0" err="1"/>
+              <a:t>mạng</a:t>
+            </a:r>
+            <a:r>
+              <a:rPr lang="en-US" sz="2200" dirty="0"/>
+              <a:t> </a:t>
+            </a:r>
+            <a:r>
+              <a:rPr lang="en-US" sz="2200" dirty="0" err="1"/>
+              <a:t>xã</a:t>
+            </a:r>
+            <a:r>
+              <a:rPr lang="en-US" sz="2200" dirty="0"/>
+              <a:t> </a:t>
+            </a:r>
+            <a:r>
+              <a:rPr lang="en-US" sz="2200" dirty="0" err="1"/>
+              <a:t>hội</a:t>
+            </a:r>
+            <a:r>
+              <a:rPr lang="en-US" sz="2200" dirty="0"/>
+              <a:t> (</a:t>
+            </a:r>
+            <a:r>
+              <a:rPr lang="en-US" sz="2200" dirty="0" err="1"/>
+              <a:t>thưởng</a:t>
+            </a:r>
+            <a:r>
+              <a:rPr lang="en-US" sz="2200" dirty="0"/>
+              <a:t> </a:t>
+            </a:r>
+            <a:r>
+              <a:rPr lang="en-US" sz="2200" dirty="0" err="1"/>
+              <a:t>điểm</a:t>
+            </a:r>
+            <a:r>
+              <a:rPr lang="en-US" sz="2200" dirty="0"/>
+              <a:t>, </a:t>
+            </a:r>
+            <a:r>
+              <a:rPr lang="en-US" sz="2200" dirty="0" err="1"/>
+              <a:t>tích</a:t>
+            </a:r>
+            <a:r>
+              <a:rPr lang="en-US" sz="2200" dirty="0"/>
+              <a:t> </a:t>
+            </a:r>
+            <a:r>
+              <a:rPr lang="en-US" sz="2200" dirty="0" err="1"/>
+              <a:t>điểm</a:t>
+            </a:r>
+            <a:r>
+              <a:rPr lang="en-US" sz="2200" dirty="0"/>
+              <a:t>) v </a:t>
+            </a:r>
+            <a:r>
+              <a:rPr lang="en-US" sz="2200" dirty="0" err="1"/>
+              <a:t>v</a:t>
+            </a:r>
+            <a:r>
+              <a:rPr lang="en-US" sz="2200" dirty="0" smtClean="0"/>
+              <a:t>.</a:t>
+            </a:r>
+            <a:endParaRPr lang="en-US" sz="2200" dirty="0"/>
           </a:p>
         </p:txBody>
       </p:sp>
@@ -6651,14 +7016,22 @@
         <p:spPr/>
         <p:txBody>
           <a:bodyPr>
-            <a:normAutofit/>
+            <a:normAutofit fontScale="90000"/>
           </a:bodyPr>
           <a:lstStyle/>
           <a:p>
             <a:pPr marL="0" indent="0"/>
             <a:r>
               <a:rPr lang="en-US" b="1" dirty="0" smtClean="0"/>
-              <a:t>1. Home:</a:t>
+              <a:t>1. </a:t>
+            </a:r>
+            <a:r>
+              <a:rPr lang="en-US" b="1" dirty="0"/>
+              <a:t>Home, Product, Product </a:t>
+            </a:r>
+            <a:r>
+              <a:rPr lang="en-US" b="1" dirty="0" smtClean="0"/>
+              <a:t>detail, Search:</a:t>
             </a:r>
             <a:endParaRPr lang="en-US" dirty="0"/>
           </a:p>
@@ -6684,6 +7057,14 @@
               <a:buChar char="-"/>
             </a:pPr>
             <a:r>
+              <a:rPr lang="en-US" b="1" dirty="0" err="1" smtClean="0"/>
+              <a:t>Trang</a:t>
+            </a:r>
+            <a:r>
+              <a:rPr lang="en-US" b="1" dirty="0" smtClean="0"/>
+              <a:t> home: </a:t>
+            </a:r>
+            <a:r>
               <a:rPr lang="en-US" dirty="0" err="1" smtClean="0"/>
               <a:t>Giới</a:t>
             </a:r>
@@ -6732,10 +7113,205 @@
               <a:t> </a:t>
             </a:r>
             <a:r>
-              <a:rPr lang="en-US" dirty="0" err="1"/>
+              <a:rPr lang="en-US" dirty="0" err="1" smtClean="0"/>
               <a:t>phẩm</a:t>
             </a:r>
-            <a:endParaRPr lang="en-US" dirty="0" smtClean="0"/>
+            <a:r>
+              <a:rPr lang="en-US" dirty="0" smtClean="0"/>
+              <a:t>, </a:t>
+            </a:r>
+            <a:r>
+              <a:rPr lang="en-US" dirty="0" err="1" smtClean="0"/>
+              <a:t>Liệt</a:t>
+            </a:r>
+            <a:r>
+              <a:rPr lang="en-US" dirty="0" smtClean="0"/>
+              <a:t> </a:t>
+            </a:r>
+            <a:r>
+              <a:rPr lang="en-US" dirty="0" err="1"/>
+              <a:t>kê</a:t>
+            </a:r>
+            <a:r>
+              <a:rPr lang="en-US" dirty="0"/>
+              <a:t> </a:t>
+            </a:r>
+            <a:r>
+              <a:rPr lang="en-US" dirty="0" err="1"/>
+              <a:t>các</a:t>
+            </a:r>
+            <a:r>
+              <a:rPr lang="en-US" dirty="0"/>
+              <a:t> </a:t>
+            </a:r>
+            <a:r>
+              <a:rPr lang="en-US" dirty="0" err="1" smtClean="0"/>
+              <a:t>sp</a:t>
+            </a:r>
+            <a:r>
+              <a:rPr lang="en-US" dirty="0" smtClean="0"/>
+              <a:t> hot, </a:t>
+            </a:r>
+            <a:r>
+              <a:rPr lang="en-US" dirty="0" err="1" smtClean="0"/>
+              <a:t>Các</a:t>
+            </a:r>
+            <a:r>
+              <a:rPr lang="en-US" dirty="0" smtClean="0"/>
+              <a:t> </a:t>
+            </a:r>
+            <a:r>
+              <a:rPr lang="en-US" dirty="0" err="1"/>
+              <a:t>sp</a:t>
+            </a:r>
+            <a:r>
+              <a:rPr lang="en-US" dirty="0"/>
+              <a:t> </a:t>
+            </a:r>
+            <a:r>
+              <a:rPr lang="en-US" dirty="0" err="1"/>
+              <a:t>giảm</a:t>
+            </a:r>
+            <a:r>
+              <a:rPr lang="en-US" dirty="0"/>
+              <a:t> </a:t>
+            </a:r>
+            <a:r>
+              <a:rPr lang="en-US" dirty="0" err="1"/>
+              <a:t>giá</a:t>
+            </a:r>
+            <a:r>
+              <a:rPr lang="en-US" dirty="0"/>
+              <a:t> </a:t>
+            </a:r>
+            <a:r>
+              <a:rPr lang="en-US" dirty="0" err="1" smtClean="0"/>
+              <a:t>mạnh</a:t>
+            </a:r>
+            <a:r>
+              <a:rPr lang="en-US" dirty="0" smtClean="0"/>
+              <a:t>, </a:t>
+            </a:r>
+            <a:r>
+              <a:rPr lang="en-US" dirty="0" err="1" smtClean="0"/>
+              <a:t>Các</a:t>
+            </a:r>
+            <a:r>
+              <a:rPr lang="en-US" dirty="0" smtClean="0"/>
+              <a:t> </a:t>
+            </a:r>
+            <a:r>
+              <a:rPr lang="en-US" dirty="0" err="1"/>
+              <a:t>dịch</a:t>
+            </a:r>
+            <a:r>
+              <a:rPr lang="en-US" dirty="0"/>
+              <a:t> </a:t>
+            </a:r>
+            <a:r>
+              <a:rPr lang="en-US" dirty="0" err="1"/>
+              <a:t>vụ</a:t>
+            </a:r>
+            <a:r>
+              <a:rPr lang="en-US" dirty="0"/>
+              <a:t> </a:t>
+            </a:r>
+            <a:r>
+              <a:rPr lang="en-US" dirty="0" err="1"/>
+              <a:t>đi</a:t>
+            </a:r>
+            <a:r>
+              <a:rPr lang="en-US" dirty="0"/>
+              <a:t> </a:t>
+            </a:r>
+            <a:r>
+              <a:rPr lang="en-US" dirty="0" err="1" smtClean="0"/>
+              <a:t>kèm</a:t>
+            </a:r>
+            <a:r>
+              <a:rPr lang="en-US" dirty="0" smtClean="0"/>
+              <a:t>, </a:t>
+            </a:r>
+            <a:r>
+              <a:rPr lang="en-US" dirty="0" err="1" smtClean="0"/>
+              <a:t>dịch</a:t>
+            </a:r>
+            <a:r>
+              <a:rPr lang="en-US" dirty="0" smtClean="0"/>
+              <a:t> </a:t>
+            </a:r>
+            <a:r>
+              <a:rPr lang="en-US" dirty="0" err="1" smtClean="0"/>
+              <a:t>vụ</a:t>
+            </a:r>
+            <a:r>
+              <a:rPr lang="en-US" dirty="0" smtClean="0"/>
+              <a:t> </a:t>
+            </a:r>
+            <a:r>
+              <a:rPr lang="en-US" dirty="0" err="1" smtClean="0"/>
+              <a:t>thanh</a:t>
+            </a:r>
+            <a:r>
+              <a:rPr lang="en-US" dirty="0" smtClean="0"/>
+              <a:t> </a:t>
+            </a:r>
+            <a:r>
+              <a:rPr lang="en-US" dirty="0" err="1" smtClean="0"/>
+              <a:t>toán</a:t>
+            </a:r>
+            <a:r>
+              <a:rPr lang="en-US" dirty="0" smtClean="0"/>
+              <a:t> </a:t>
+            </a:r>
+            <a:r>
+              <a:rPr lang="en-US" dirty="0" err="1" smtClean="0"/>
+              <a:t>hỗ</a:t>
+            </a:r>
+            <a:r>
+              <a:rPr lang="en-US" dirty="0" smtClean="0"/>
+              <a:t> </a:t>
+            </a:r>
+            <a:r>
+              <a:rPr lang="en-US" dirty="0" err="1" smtClean="0"/>
+              <a:t>trợ</a:t>
+            </a:r>
+            <a:r>
+              <a:rPr lang="en-US" dirty="0" smtClean="0"/>
+              <a:t>, </a:t>
+            </a:r>
+            <a:r>
+              <a:rPr lang="en-US" dirty="0" err="1" smtClean="0"/>
+              <a:t>Nhãn</a:t>
+            </a:r>
+            <a:r>
+              <a:rPr lang="en-US" dirty="0" smtClean="0"/>
+              <a:t> </a:t>
+            </a:r>
+            <a:r>
+              <a:rPr lang="en-US" dirty="0" err="1" smtClean="0"/>
+              <a:t>hàng</a:t>
+            </a:r>
+            <a:r>
+              <a:rPr lang="en-US" dirty="0" smtClean="0"/>
+              <a:t> </a:t>
+            </a:r>
+            <a:r>
+              <a:rPr lang="en-US" dirty="0" err="1"/>
+              <a:t>nổi</a:t>
+            </a:r>
+            <a:r>
+              <a:rPr lang="en-US" dirty="0"/>
+              <a:t> </a:t>
+            </a:r>
+            <a:r>
+              <a:rPr lang="en-US" dirty="0" err="1" smtClean="0"/>
+              <a:t>tiếng</a:t>
+            </a:r>
+            <a:r>
+              <a:rPr lang="en-US" dirty="0" smtClean="0"/>
+              <a:t> .v.v.</a:t>
+            </a:r>
           </a:p>
           <a:p>
             <a:pPr>
@@ -6743,16 +7319,48 @@
               <a:buChar char="-"/>
             </a:pPr>
             <a:r>
+              <a:rPr lang="en-US" b="1" dirty="0" smtClean="0"/>
+              <a:t>Product </a:t>
+            </a:r>
+            <a:r>
+              <a:rPr lang="en-US" dirty="0"/>
+              <a:t>: </a:t>
+            </a:r>
+            <a:r>
               <a:rPr lang="en-US" dirty="0" err="1" smtClean="0"/>
-              <a:t>Liệt</a:t>
-            </a:r>
-            <a:r>
-              <a:rPr lang="en-US" dirty="0" smtClean="0"/>
-              <a:t> </a:t>
-            </a:r>
-            <a:r>
-              <a:rPr lang="en-US" dirty="0" err="1"/>
-              <a:t>kê</a:t>
+              <a:t>Tất</a:t>
+            </a:r>
+            <a:r>
+              <a:rPr lang="en-US" dirty="0" smtClean="0"/>
+              <a:t> </a:t>
+            </a:r>
+            <a:r>
+              <a:rPr lang="en-US" dirty="0" err="1" smtClean="0"/>
+              <a:t>cả</a:t>
+            </a:r>
+            <a:r>
+              <a:rPr lang="en-US" dirty="0" smtClean="0"/>
+              <a:t> </a:t>
+            </a:r>
+            <a:r>
+              <a:rPr lang="en-US" dirty="0" err="1" smtClean="0"/>
+              <a:t>sp</a:t>
+            </a:r>
+            <a:r>
+              <a:rPr lang="en-US" dirty="0" smtClean="0"/>
+              <a:t> </a:t>
+            </a:r>
+            <a:r>
+              <a:rPr lang="en-US" dirty="0" err="1" smtClean="0"/>
+              <a:t>được</a:t>
+            </a:r>
+            <a:r>
+              <a:rPr lang="en-US" dirty="0" smtClean="0"/>
+              <a:t> chia </a:t>
+            </a:r>
+            <a:r>
+              <a:rPr lang="en-US" dirty="0" err="1"/>
+              <a:t>ra</a:t>
             </a:r>
             <a:r>
               <a:rPr lang="en-US" dirty="0"/>
@@ -6768,6 +7376,14 @@
             </a:r>
             <a:r>
               <a:rPr lang="en-US" dirty="0" err="1"/>
+              <a:t>loại</a:t>
+            </a:r>
+            <a:r>
+              <a:rPr lang="en-US" dirty="0"/>
+              <a:t> </a:t>
+            </a:r>
+            <a:r>
+              <a:rPr lang="en-US" dirty="0" err="1"/>
               <a:t>sản</a:t>
             </a:r>
             <a:r>
@@ -6780,7 +7396,99 @@
             </a:r>
             <a:r>
               <a:rPr lang="en-US" dirty="0"/>
-              <a:t> hot</a:t>
+              <a:t> </a:t>
+            </a:r>
+            <a:r>
+              <a:rPr lang="en-US" dirty="0" err="1"/>
+              <a:t>khác</a:t>
+            </a:r>
+            <a:r>
+              <a:rPr lang="en-US" dirty="0"/>
+              <a:t> </a:t>
+            </a:r>
+            <a:r>
+              <a:rPr lang="en-US" dirty="0" err="1"/>
+              <a:t>nhau</a:t>
+            </a:r>
+            <a:r>
+              <a:rPr lang="en-US" dirty="0"/>
+              <a:t>: paper, writing, </a:t>
+            </a:r>
+            <a:r>
+              <a:rPr lang="en-US" dirty="0" smtClean="0"/>
+              <a:t>…</a:t>
+            </a:r>
+            <a:r>
+              <a:rPr lang="en-US" dirty="0" err="1" smtClean="0"/>
+              <a:t>Mỗi</a:t>
+            </a:r>
+            <a:r>
+              <a:rPr lang="en-US" dirty="0" smtClean="0"/>
+              <a:t> </a:t>
+            </a:r>
+            <a:r>
+              <a:rPr lang="en-US" dirty="0" err="1"/>
+              <a:t>loại</a:t>
+            </a:r>
+            <a:r>
+              <a:rPr lang="en-US" dirty="0"/>
+              <a:t> </a:t>
+            </a:r>
+            <a:r>
+              <a:rPr lang="en-US" dirty="0" err="1"/>
+              <a:t>sản</a:t>
+            </a:r>
+            <a:r>
+              <a:rPr lang="en-US" dirty="0"/>
+              <a:t> </a:t>
+            </a:r>
+            <a:r>
+              <a:rPr lang="en-US" dirty="0" err="1"/>
+              <a:t>phẩm</a:t>
+            </a:r>
+            <a:r>
+              <a:rPr lang="en-US" dirty="0"/>
+              <a:t> </a:t>
+            </a:r>
+            <a:r>
+              <a:rPr lang="en-US" dirty="0" err="1"/>
+              <a:t>thì</a:t>
+            </a:r>
+            <a:r>
+              <a:rPr lang="en-US" dirty="0"/>
+              <a:t> </a:t>
+            </a:r>
+            <a:r>
+              <a:rPr lang="en-US" dirty="0" err="1"/>
+              <a:t>có</a:t>
+            </a:r>
+            <a:r>
+              <a:rPr lang="en-US" dirty="0"/>
+              <a:t> </a:t>
+            </a:r>
+            <a:r>
+              <a:rPr lang="en-US" dirty="0" err="1"/>
+              <a:t>nhiều</a:t>
+            </a:r>
+            <a:r>
+              <a:rPr lang="en-US" dirty="0"/>
+              <a:t> </a:t>
+            </a:r>
+            <a:r>
+              <a:rPr lang="en-US" dirty="0" err="1" smtClean="0"/>
+              <a:t>chọn</a:t>
+            </a:r>
+            <a:r>
+              <a:rPr lang="en-US" dirty="0" smtClean="0"/>
+              <a:t> </a:t>
+            </a:r>
+            <a:r>
+              <a:rPr lang="en-US" dirty="0" err="1" smtClean="0"/>
+              <a:t>lựa</a:t>
+            </a:r>
+            <a:r>
+              <a:rPr lang="en-US" dirty="0" smtClean="0"/>
+              <a:t>.</a:t>
             </a:r>
           </a:p>
           <a:p>
@@ -6789,42 +7497,85 @@
               <a:buChar char="-"/>
             </a:pPr>
             <a:r>
-              <a:rPr lang="en-US" dirty="0" err="1"/>
-              <a:t>Các</a:t>
-            </a:r>
-            <a:r>
-              <a:rPr lang="en-US" dirty="0"/>
-              <a:t> </a:t>
-            </a:r>
-            <a:r>
-              <a:rPr lang="en-US" dirty="0" err="1"/>
-              <a:t>sp</a:t>
-            </a:r>
-            <a:r>
-              <a:rPr lang="en-US" dirty="0"/>
-              <a:t> </a:t>
-            </a:r>
-            <a:r>
-              <a:rPr lang="en-US" dirty="0" err="1"/>
-              <a:t>giảm</a:t>
-            </a:r>
-            <a:r>
-              <a:rPr lang="en-US" dirty="0"/>
-              <a:t> </a:t>
-            </a:r>
-            <a:r>
-              <a:rPr lang="en-US" dirty="0" err="1"/>
+              <a:rPr lang="en-US" b="1" dirty="0"/>
+              <a:t>Product </a:t>
+            </a:r>
+            <a:r>
+              <a:rPr lang="en-US" b="1" dirty="0" smtClean="0"/>
+              <a:t>detail: </a:t>
+            </a:r>
+            <a:r>
+              <a:rPr lang="en-US" dirty="0" err="1" smtClean="0"/>
+              <a:t>Thông</a:t>
+            </a:r>
+            <a:r>
+              <a:rPr lang="en-US" dirty="0" smtClean="0"/>
+              <a:t> tin chi </a:t>
+            </a:r>
+            <a:r>
+              <a:rPr lang="en-US" dirty="0" err="1" smtClean="0"/>
+              <a:t>tiết</a:t>
+            </a:r>
+            <a:r>
+              <a:rPr lang="en-US" dirty="0" smtClean="0"/>
+              <a:t> </a:t>
+            </a:r>
+            <a:r>
+              <a:rPr lang="en-US" dirty="0" err="1" smtClean="0"/>
+              <a:t>về</a:t>
+            </a:r>
+            <a:r>
+              <a:rPr lang="en-US" dirty="0" smtClean="0"/>
+              <a:t> </a:t>
+            </a:r>
+            <a:r>
+              <a:rPr lang="en-US" dirty="0" err="1" smtClean="0"/>
+              <a:t>sản</a:t>
+            </a:r>
+            <a:r>
+              <a:rPr lang="en-US" dirty="0" smtClean="0"/>
+              <a:t> </a:t>
+            </a:r>
+            <a:r>
+              <a:rPr lang="en-US" dirty="0" err="1" smtClean="0"/>
+              <a:t>phẩm</a:t>
+            </a:r>
+            <a:r>
+              <a:rPr lang="en-US" dirty="0" smtClean="0"/>
+              <a:t>, </a:t>
+            </a:r>
+            <a:r>
+              <a:rPr lang="en-US" dirty="0" err="1" smtClean="0"/>
+              <a:t>nhận</a:t>
+            </a:r>
+            <a:r>
+              <a:rPr lang="en-US" dirty="0" smtClean="0"/>
+              <a:t> </a:t>
+            </a:r>
+            <a:r>
+              <a:rPr lang="en-US" dirty="0" err="1" smtClean="0"/>
+              <a:t>xét</a:t>
+            </a:r>
+            <a:r>
+              <a:rPr lang="en-US" dirty="0" smtClean="0"/>
+              <a:t> </a:t>
+            </a:r>
+            <a:r>
+              <a:rPr lang="en-US" dirty="0" err="1" smtClean="0"/>
+              <a:t>đánh</a:t>
+            </a:r>
+            <a:r>
+              <a:rPr lang="en-US" dirty="0" smtClean="0"/>
+              <a:t> </a:t>
+            </a:r>
+            <a:r>
+              <a:rPr lang="en-US" dirty="0" err="1" smtClean="0"/>
               <a:t>giá</a:t>
             </a:r>
             <a:r>
-              <a:rPr lang="en-US" dirty="0"/>
-              <a:t> </a:t>
-            </a:r>
-            <a:r>
-              <a:rPr lang="en-US" dirty="0" err="1"/>
-              <a:t>mạnh</a:t>
-            </a:r>
-            <a:endParaRPr lang="en-US" dirty="0"/>
+              <a:rPr lang="en-US" dirty="0" smtClean="0"/>
+              <a:t> sp.</a:t>
+            </a:r>
           </a:p>
           <a:p>
             <a:pPr>
@@ -6832,72 +7583,60 @@
               <a:buChar char="-"/>
             </a:pPr>
             <a:r>
-              <a:rPr lang="en-US" dirty="0" err="1"/>
-              <a:t>Các</a:t>
-            </a:r>
-            <a:r>
-              <a:rPr lang="en-US" dirty="0"/>
-              <a:t> </a:t>
-            </a:r>
-            <a:r>
-              <a:rPr lang="en-US" dirty="0" err="1"/>
-              <a:t>dịch</a:t>
-            </a:r>
-            <a:r>
-              <a:rPr lang="en-US" dirty="0"/>
-              <a:t> </a:t>
-            </a:r>
-            <a:r>
-              <a:rPr lang="en-US" dirty="0" err="1"/>
-              <a:t>vụ</a:t>
-            </a:r>
-            <a:r>
-              <a:rPr lang="en-US" dirty="0"/>
-              <a:t> </a:t>
-            </a:r>
-            <a:r>
-              <a:rPr lang="en-US" dirty="0" err="1"/>
-              <a:t>đi</a:t>
-            </a:r>
-            <a:r>
-              <a:rPr lang="en-US" dirty="0"/>
-              <a:t> </a:t>
-            </a:r>
-            <a:r>
-              <a:rPr lang="en-US" dirty="0" err="1"/>
-              <a:t>kèm</a:t>
-            </a:r>
-            <a:r>
-              <a:rPr lang="en-US" dirty="0"/>
-              <a:t> </a:t>
-            </a:r>
-            <a:r>
-              <a:rPr lang="en-US" dirty="0" err="1"/>
-              <a:t>khi</a:t>
-            </a:r>
-            <a:r>
-              <a:rPr lang="en-US" dirty="0"/>
-              <a:t> </a:t>
-            </a:r>
-            <a:r>
-              <a:rPr lang="en-US" dirty="0" err="1"/>
-              <a:t>mua</a:t>
-            </a:r>
-            <a:r>
-              <a:rPr lang="en-US" dirty="0"/>
-              <a:t> </a:t>
-            </a:r>
-            <a:r>
-              <a:rPr lang="en-US" dirty="0" err="1"/>
-              <a:t>sản</a:t>
-            </a:r>
-            <a:r>
-              <a:rPr lang="en-US" dirty="0"/>
-              <a:t> </a:t>
-            </a:r>
-            <a:r>
-              <a:rPr lang="en-US" dirty="0" err="1"/>
-              <a:t>phẩm</a:t>
+              <a:rPr lang="en-US" b="1" dirty="0" smtClean="0"/>
+              <a:t>Search</a:t>
+            </a:r>
+            <a:r>
+              <a:rPr lang="en-US" dirty="0" smtClean="0"/>
+              <a:t>: </a:t>
+            </a:r>
+            <a:r>
+              <a:rPr lang="en-US" dirty="0" err="1" smtClean="0"/>
+              <a:t>tìm</a:t>
+            </a:r>
+            <a:r>
+              <a:rPr lang="en-US" dirty="0" smtClean="0"/>
+              <a:t> </a:t>
+            </a:r>
+            <a:r>
+              <a:rPr lang="en-US" dirty="0" err="1" smtClean="0"/>
+              <a:t>kiếm</a:t>
+            </a:r>
+            <a:r>
+              <a:rPr lang="en-US" dirty="0" smtClean="0"/>
+              <a:t> </a:t>
+            </a:r>
+            <a:r>
+              <a:rPr lang="en-US" dirty="0" err="1" smtClean="0"/>
+              <a:t>sp</a:t>
+            </a:r>
+            <a:r>
+              <a:rPr lang="en-US" dirty="0" smtClean="0"/>
+              <a:t> </a:t>
+            </a:r>
+            <a:r>
+              <a:rPr lang="en-US" dirty="0" err="1" smtClean="0"/>
+              <a:t>theo</a:t>
+            </a:r>
+            <a:r>
+              <a:rPr lang="en-US" dirty="0" smtClean="0"/>
+              <a:t> </a:t>
+            </a:r>
+            <a:r>
+              <a:rPr lang="en-US" dirty="0" err="1" smtClean="0"/>
+              <a:t>từ</a:t>
+            </a:r>
+            <a:r>
+              <a:rPr lang="en-US" dirty="0" smtClean="0"/>
+              <a:t> </a:t>
+            </a:r>
+            <a:r>
+              <a:rPr lang="en-US" dirty="0" err="1" smtClean="0"/>
+              <a:t>khóa</a:t>
+            </a:r>
+            <a:r>
+              <a:rPr lang="en-US" dirty="0" smtClean="0"/>
+              <a:t>.</a:t>
             </a:r>
             <a:endParaRPr lang="en-US" dirty="0"/>
           </a:p>
@@ -6906,54 +7645,14 @@
               <a:buFontTx/>
               <a:buChar char="-"/>
             </a:pPr>
-            <a:r>
-              <a:rPr lang="en-US" dirty="0" err="1"/>
-              <a:t>Nhãn</a:t>
-            </a:r>
-            <a:r>
-              <a:rPr lang="en-US" dirty="0"/>
-              <a:t> hang </a:t>
-            </a:r>
-            <a:r>
-              <a:rPr lang="en-US" dirty="0" err="1"/>
-              <a:t>nổi</a:t>
-            </a:r>
-            <a:r>
-              <a:rPr lang="en-US" dirty="0"/>
-              <a:t> </a:t>
-            </a:r>
-            <a:r>
-              <a:rPr lang="en-US" dirty="0" err="1"/>
-              <a:t>tiếng</a:t>
-            </a:r>
-            <a:r>
-              <a:rPr lang="en-US" dirty="0"/>
-              <a:t> </a:t>
-            </a:r>
-            <a:r>
-              <a:rPr lang="en-US" dirty="0" err="1"/>
-              <a:t>được</a:t>
-            </a:r>
-            <a:r>
-              <a:rPr lang="en-US" dirty="0"/>
-              <a:t> </a:t>
-            </a:r>
-            <a:r>
-              <a:rPr lang="en-US" dirty="0" err="1"/>
-              <a:t>bán</a:t>
-            </a:r>
-            <a:r>
-              <a:rPr lang="en-US" dirty="0"/>
-              <a:t> </a:t>
-            </a:r>
-            <a:r>
-              <a:rPr lang="en-US" dirty="0" err="1"/>
-              <a:t>trên</a:t>
-            </a:r>
-            <a:r>
-              <a:rPr lang="en-US" dirty="0"/>
-              <a:t> website</a:t>
-            </a:r>
+            <a:endParaRPr lang="en-US" dirty="0"/>
+          </a:p>
+          <a:p>
+            <a:pPr>
+              <a:buFontTx/>
+              <a:buChar char="-"/>
+            </a:pPr>
+            <a:endParaRPr lang="en-US" dirty="0"/>
           </a:p>
           <a:p>
             <a:endParaRPr lang="en-US" dirty="0"/>
@@ -7006,63 +7705,161 @@
           <a:lstStyle/>
           <a:p>
             <a:r>
+              <a:rPr lang="en-US" dirty="0" smtClean="0"/>
+              <a:t>2.Phần </a:t>
+            </a:r>
+            <a:r>
+              <a:rPr lang="en-US" dirty="0" err="1"/>
+              <a:t>mua</a:t>
+            </a:r>
+            <a:r>
+              <a:rPr lang="en-US" dirty="0"/>
+              <a:t> </a:t>
+            </a:r>
+            <a:r>
+              <a:rPr lang="en-US" dirty="0" err="1"/>
+              <a:t>hàng</a:t>
+            </a:r>
+            <a:endParaRPr lang="en-US" dirty="0"/>
+          </a:p>
+        </p:txBody>
+      </p:sp>
+      <p:sp>
+        <p:nvSpPr>
+          <p:cNvPr id="3" name="Content Placeholder 2"/>
+          <p:cNvSpPr>
+            <a:spLocks noGrp="1"/>
+          </p:cNvSpPr>
+          <p:nvPr>
+            <p:ph idx="1"/>
+          </p:nvPr>
+        </p:nvSpPr>
+        <p:spPr/>
+        <p:txBody>
+          <a:bodyPr>
+            <a:normAutofit/>
+          </a:bodyPr>
+          <a:lstStyle/>
+          <a:p>
+            <a:r>
+              <a:rPr lang="en-US" dirty="0" err="1"/>
+              <a:t>Dưới</a:t>
+            </a:r>
+            <a:r>
+              <a:rPr lang="en-US" dirty="0"/>
+              <a:t> </a:t>
+            </a:r>
+            <a:r>
+              <a:rPr lang="en-US" dirty="0" err="1"/>
+              <a:t>mỗi</a:t>
+            </a:r>
+            <a:r>
+              <a:rPr lang="en-US" dirty="0"/>
+              <a:t> </a:t>
+            </a:r>
+            <a:r>
+              <a:rPr lang="en-US" dirty="0" err="1"/>
+              <a:t>sản</a:t>
+            </a:r>
+            <a:r>
+              <a:rPr lang="en-US" dirty="0"/>
+              <a:t> </a:t>
+            </a:r>
+            <a:r>
+              <a:rPr lang="en-US" dirty="0" err="1"/>
+              <a:t>phẩm</a:t>
+            </a:r>
+            <a:r>
+              <a:rPr lang="en-US" dirty="0"/>
+              <a:t> </a:t>
+            </a:r>
+            <a:r>
+              <a:rPr lang="en-US" dirty="0" err="1"/>
+              <a:t>đều</a:t>
+            </a:r>
+            <a:r>
+              <a:rPr lang="en-US" dirty="0"/>
+              <a:t> </a:t>
+            </a:r>
+            <a:r>
+              <a:rPr lang="en-US" dirty="0" err="1"/>
+              <a:t>có</a:t>
+            </a:r>
+            <a:r>
+              <a:rPr lang="en-US" dirty="0"/>
+              <a:t> </a:t>
+            </a:r>
+            <a:r>
+              <a:rPr lang="en-US" dirty="0" err="1"/>
+              <a:t>mục</a:t>
+            </a:r>
+            <a:r>
+              <a:rPr lang="en-US" dirty="0"/>
+              <a:t> </a:t>
+            </a:r>
+            <a:r>
+              <a:rPr lang="en-US" b="1" dirty="0"/>
+              <a:t>ADD TO </a:t>
+            </a:r>
+            <a:r>
               <a:rPr lang="en-US" b="1" dirty="0" smtClean="0"/>
-              <a:t>2.Product, Product detail</a:t>
-            </a:r>
-            <a:endParaRPr lang="en-US" b="1" dirty="0"/>
-          </a:p>
-        </p:txBody>
-      </p:sp>
-      <p:sp>
-        <p:nvSpPr>
-          <p:cNvPr id="3" name="Content Placeholder 2"/>
-          <p:cNvSpPr>
-            <a:spLocks noGrp="1"/>
-          </p:cNvSpPr>
-          <p:nvPr>
-            <p:ph idx="1"/>
-          </p:nvPr>
-        </p:nvSpPr>
-        <p:spPr/>
-        <p:txBody>
-          <a:bodyPr/>
-          <a:lstStyle/>
-          <a:p>
+              <a:t>CARD </a:t>
+            </a:r>
+            <a:r>
+              <a:rPr lang="en-US" dirty="0" smtClean="0"/>
+              <a:t>(</a:t>
+            </a:r>
+            <a:r>
+              <a:rPr lang="en-US" dirty="0" err="1"/>
+              <a:t>để</a:t>
+            </a:r>
+            <a:r>
+              <a:rPr lang="en-US" dirty="0"/>
+              <a:t> </a:t>
+            </a:r>
+            <a:r>
+              <a:rPr lang="en-US" dirty="0" err="1"/>
+              <a:t>mua</a:t>
+            </a:r>
+            <a:r>
+              <a:rPr lang="en-US" dirty="0"/>
+              <a:t> </a:t>
+            </a:r>
+            <a:r>
+              <a:rPr lang="en-US" dirty="0" err="1"/>
+              <a:t>sản</a:t>
+            </a:r>
+            <a:r>
+              <a:rPr lang="en-US" dirty="0"/>
+              <a:t> </a:t>
+            </a:r>
+            <a:r>
+              <a:rPr lang="en-US" dirty="0" err="1"/>
+              <a:t>phẩm</a:t>
+            </a:r>
+            <a:r>
+              <a:rPr lang="en-US" dirty="0" smtClean="0"/>
+              <a:t>)</a:t>
+            </a:r>
             <a:r>
               <a:rPr lang="en-US" b="1" dirty="0" smtClean="0"/>
-              <a:t>Product : </a:t>
-            </a:r>
-            <a:r>
-              <a:rPr lang="en-US" dirty="0" err="1" smtClean="0"/>
-              <a:t>Liệt</a:t>
-            </a:r>
-            <a:r>
-              <a:rPr lang="en-US" dirty="0" smtClean="0"/>
-              <a:t> </a:t>
-            </a:r>
-            <a:r>
-              <a:rPr lang="en-US" dirty="0" err="1" smtClean="0"/>
-              <a:t>kê</a:t>
-            </a:r>
-            <a:r>
-              <a:rPr lang="en-US" dirty="0" smtClean="0"/>
-              <a:t> </a:t>
-            </a:r>
-            <a:r>
-              <a:rPr lang="en-US" dirty="0" err="1" smtClean="0"/>
-              <a:t>toàn</a:t>
-            </a:r>
-            <a:r>
-              <a:rPr lang="en-US" dirty="0" smtClean="0"/>
-              <a:t> </a:t>
-            </a:r>
-            <a:r>
-              <a:rPr lang="en-US" dirty="0" err="1" smtClean="0"/>
-              <a:t>bộ</a:t>
-            </a:r>
-            <a:r>
-              <a:rPr lang="en-US" dirty="0" smtClean="0"/>
-              <a:t> </a:t>
+              <a:t>, </a:t>
+            </a:r>
+            <a:r>
+              <a:rPr lang="en-US" b="1" dirty="0"/>
+              <a:t>ADD TO </a:t>
+            </a:r>
+            <a:r>
+              <a:rPr lang="en-US" b="1" dirty="0" smtClean="0"/>
+              <a:t>WISH </a:t>
+            </a:r>
+            <a:r>
+              <a:rPr lang="en-US" b="1" dirty="0"/>
+              <a:t>LIST </a:t>
+            </a:r>
+            <a:r>
+              <a:rPr lang="en-US" b="1" dirty="0" smtClean="0"/>
+              <a:t>(</a:t>
             </a:r>
             <a:r>
               <a:rPr lang="en-US" dirty="0" err="1" smtClean="0"/>
@@ -7073,16 +7870,68 @@
               <a:t> </a:t>
             </a:r>
             <a:r>
+              <a:rPr lang="en-US" dirty="0" err="1"/>
+              <a:t>sách</a:t>
+            </a:r>
+            <a:r>
+              <a:rPr lang="en-US" dirty="0"/>
+              <a:t> </a:t>
+            </a:r>
+            <a:r>
+              <a:rPr lang="en-US" dirty="0" err="1"/>
+              <a:t>muốn</a:t>
+            </a:r>
+            <a:r>
+              <a:rPr lang="en-US" dirty="0"/>
+              <a:t> </a:t>
+            </a:r>
+            <a:r>
               <a:rPr lang="en-US" dirty="0" err="1" smtClean="0"/>
-              <a:t>mục</a:t>
-            </a:r>
-            <a:r>
-              <a:rPr lang="en-US" dirty="0" smtClean="0"/>
-              <a:t> </a:t>
+              <a:t>mua</a:t>
+            </a:r>
+            <a:r>
+              <a:rPr lang="en-US" b="1" dirty="0" smtClean="0"/>
+              <a:t>), </a:t>
+            </a:r>
+            <a:r>
+              <a:rPr lang="en-US" b="1" dirty="0"/>
+              <a:t>ADD TO COMPARE</a:t>
+            </a:r>
+            <a:r>
+              <a:rPr lang="en-US" b="1" dirty="0" smtClean="0"/>
+              <a:t> (</a:t>
+            </a:r>
+            <a:r>
+              <a:rPr lang="en-US" dirty="0"/>
+              <a:t>so </a:t>
+            </a:r>
+            <a:r>
+              <a:rPr lang="en-US" dirty="0" err="1"/>
+              <a:t>sánh</a:t>
+            </a:r>
+            <a:r>
+              <a:rPr lang="en-US" dirty="0"/>
+              <a:t> </a:t>
+            </a:r>
+            <a:r>
+              <a:rPr lang="en-US" dirty="0" err="1"/>
+              <a:t>sản</a:t>
+            </a:r>
+            <a:r>
+              <a:rPr lang="en-US" dirty="0"/>
+              <a:t> </a:t>
+            </a:r>
+            <a:r>
+              <a:rPr lang="en-US" dirty="0" err="1"/>
+              <a:t>phẩm</a:t>
+            </a:r>
+            <a:r>
+              <a:rPr lang="en-US" b="1" dirty="0" smtClean="0"/>
+              <a:t>) </a:t>
             </a:r>
             <a:r>
               <a:rPr lang="en-US" dirty="0" err="1" smtClean="0"/>
-              <a:t>sản</a:t>
+              <a:t>khi</a:t>
             </a:r>
             <a:r>
               <a:rPr lang="en-US" dirty="0" smtClean="0"/>
@@ -7090,7 +7939,191 @@
             </a:r>
             <a:r>
               <a:rPr lang="en-US" dirty="0" err="1" smtClean="0"/>
-              <a:t>phẩm</a:t>
+              <a:t>đã</a:t>
+            </a:r>
+            <a:r>
+              <a:rPr lang="en-US" dirty="0" smtClean="0"/>
+              <a:t> </a:t>
+            </a:r>
+            <a:r>
+              <a:rPr lang="en-US" dirty="0" err="1" smtClean="0"/>
+              <a:t>lựa</a:t>
+            </a:r>
+            <a:r>
+              <a:rPr lang="en-US" dirty="0" smtClean="0"/>
+              <a:t> </a:t>
+            </a:r>
+            <a:r>
+              <a:rPr lang="en-US" dirty="0" err="1"/>
+              <a:t>chọn</a:t>
+            </a:r>
+            <a:r>
+              <a:rPr lang="en-US" dirty="0"/>
+              <a:t> </a:t>
+            </a:r>
+            <a:r>
+              <a:rPr lang="en-US" dirty="0" err="1"/>
+              <a:t>hết</a:t>
+            </a:r>
+            <a:r>
+              <a:rPr lang="en-US" dirty="0"/>
+              <a:t> </a:t>
+            </a:r>
+            <a:r>
+              <a:rPr lang="en-US" dirty="0" err="1"/>
+              <a:t>các</a:t>
+            </a:r>
+            <a:r>
+              <a:rPr lang="en-US" dirty="0"/>
+              <a:t> </a:t>
+            </a:r>
+            <a:r>
+              <a:rPr lang="en-US" dirty="0" err="1" smtClean="0"/>
+              <a:t>yêu</a:t>
+            </a:r>
+            <a:r>
+              <a:rPr lang="en-US" dirty="0" smtClean="0"/>
+              <a:t> </a:t>
+            </a:r>
+            <a:r>
+              <a:rPr lang="en-US" dirty="0" err="1" smtClean="0"/>
+              <a:t>cầu</a:t>
+            </a:r>
+            <a:r>
+              <a:rPr lang="en-US" dirty="0" smtClean="0"/>
+              <a:t> </a:t>
+            </a:r>
+            <a:r>
+              <a:rPr lang="en-US" dirty="0" err="1" smtClean="0"/>
+              <a:t>thì</a:t>
+            </a:r>
+            <a:r>
+              <a:rPr lang="en-US" dirty="0" smtClean="0"/>
+              <a:t> </a:t>
+            </a:r>
+            <a:r>
+              <a:rPr lang="en-US" dirty="0" err="1" smtClean="0"/>
+              <a:t>ra</a:t>
+            </a:r>
+            <a:r>
+              <a:rPr lang="en-US" dirty="0" smtClean="0"/>
+              <a:t> </a:t>
+            </a:r>
+            <a:r>
+              <a:rPr lang="en-US" dirty="0" err="1" smtClean="0"/>
+              <a:t>phần</a:t>
+            </a:r>
+            <a:r>
+              <a:rPr lang="en-US" dirty="0" smtClean="0"/>
+              <a:t> </a:t>
+            </a:r>
+            <a:r>
+              <a:rPr lang="en-US" b="1" dirty="0" smtClean="0"/>
+              <a:t>MENU </a:t>
+            </a:r>
+            <a:r>
+              <a:rPr lang="en-US" b="1" dirty="0"/>
+              <a:t>PHẢI </a:t>
+            </a:r>
+            <a:r>
+              <a:rPr lang="en-US" dirty="0" err="1"/>
+              <a:t>để</a:t>
+            </a:r>
+            <a:r>
+              <a:rPr lang="en-US" dirty="0"/>
+              <a:t> </a:t>
+            </a:r>
+            <a:r>
+              <a:rPr lang="en-US" dirty="0" err="1"/>
+              <a:t>tiến</a:t>
+            </a:r>
+            <a:r>
+              <a:rPr lang="en-US" dirty="0"/>
+              <a:t> </a:t>
+            </a:r>
+            <a:r>
+              <a:rPr lang="en-US" dirty="0" err="1" smtClean="0"/>
+              <a:t>hành</a:t>
+            </a:r>
+            <a:r>
+              <a:rPr lang="en-US" dirty="0" smtClean="0"/>
+              <a:t> </a:t>
+            </a:r>
+            <a:r>
+              <a:rPr lang="en-US" dirty="0" err="1" smtClean="0"/>
+              <a:t>lưạ</a:t>
+            </a:r>
+            <a:r>
+              <a:rPr lang="en-US" dirty="0" smtClean="0"/>
+              <a:t> </a:t>
+            </a:r>
+            <a:r>
+              <a:rPr lang="en-US" dirty="0" err="1" smtClean="0"/>
+              <a:t>chọn</a:t>
+            </a:r>
+            <a:r>
+              <a:rPr lang="en-US" dirty="0" smtClean="0"/>
+              <a:t>, so </a:t>
+            </a:r>
+            <a:r>
+              <a:rPr lang="en-US" dirty="0" err="1" smtClean="0"/>
+              <a:t>sánh</a:t>
+            </a:r>
+            <a:r>
+              <a:rPr lang="en-US" dirty="0" smtClean="0"/>
+              <a:t> </a:t>
+            </a:r>
+            <a:r>
+              <a:rPr lang="en-US" dirty="0" err="1" smtClean="0"/>
+              <a:t>và</a:t>
+            </a:r>
+            <a:r>
+              <a:rPr lang="en-US" dirty="0" smtClean="0"/>
+              <a:t> </a:t>
+            </a:r>
+            <a:r>
+              <a:rPr lang="en-US" dirty="0" err="1"/>
+              <a:t>thanh</a:t>
+            </a:r>
+            <a:r>
+              <a:rPr lang="en-US" dirty="0"/>
+              <a:t> </a:t>
+            </a:r>
+            <a:r>
+              <a:rPr lang="en-US" dirty="0" err="1"/>
+              <a:t>toán</a:t>
+            </a:r>
+            <a:r>
+              <a:rPr lang="en-US" dirty="0"/>
+              <a:t>. </a:t>
+            </a:r>
+            <a:r>
+              <a:rPr lang="en-US" dirty="0" err="1" smtClean="0"/>
+              <a:t>Việc</a:t>
+            </a:r>
+            <a:r>
+              <a:rPr lang="en-US" dirty="0" smtClean="0"/>
+              <a:t> </a:t>
+            </a:r>
+            <a:r>
+              <a:rPr lang="en-US" dirty="0" err="1" smtClean="0"/>
+              <a:t>thanh</a:t>
+            </a:r>
+            <a:r>
+              <a:rPr lang="en-US" dirty="0" smtClean="0"/>
+              <a:t> </a:t>
+            </a:r>
+            <a:r>
+              <a:rPr lang="en-US" dirty="0" err="1" smtClean="0"/>
+              <a:t>toán</a:t>
+            </a:r>
+            <a:r>
+              <a:rPr lang="en-US" dirty="0" smtClean="0"/>
+              <a:t> </a:t>
+            </a:r>
+            <a:r>
+              <a:rPr lang="en-US" dirty="0" err="1" smtClean="0"/>
+              <a:t>sẽ</a:t>
             </a:r>
             <a:r>
               <a:rPr lang="en-US" dirty="0" smtClean="0"/>
@@ -7106,7 +8139,7 @@
             </a:r>
             <a:r>
               <a:rPr lang="en-US" dirty="0" err="1" smtClean="0"/>
-              <a:t>bày</a:t>
+              <a:t>liên</a:t>
             </a:r>
             <a:r>
               <a:rPr lang="en-US" dirty="0" smtClean="0"/>
@@ -7114,15 +8147,15 @@
             </a:r>
             <a:r>
               <a:rPr lang="en-US" dirty="0" err="1" smtClean="0"/>
-              <a:t>bán</a:t>
-            </a:r>
-            <a:r>
-              <a:rPr lang="en-US" dirty="0" smtClean="0"/>
-              <a:t>, chia </a:t>
+              <a:t>kết</a:t>
+            </a:r>
+            <a:r>
+              <a:rPr lang="en-US" dirty="0" smtClean="0"/>
+              <a:t> </a:t>
             </a:r>
             <a:r>
               <a:rPr lang="en-US" dirty="0" err="1" smtClean="0"/>
-              <a:t>ra</a:t>
+              <a:t>với</a:t>
             </a:r>
             <a:r>
               <a:rPr lang="en-US" dirty="0" smtClean="0"/>
@@ -7138,7 +8171,7 @@
             </a:r>
             <a:r>
               <a:rPr lang="en-US" dirty="0" err="1" smtClean="0"/>
-              <a:t>loại</a:t>
+              <a:t>hãng</a:t>
             </a:r>
             <a:r>
               <a:rPr lang="en-US" dirty="0" smtClean="0"/>
@@ -7146,7 +8179,7 @@
             </a:r>
             <a:r>
               <a:rPr lang="en-US" dirty="0" err="1" smtClean="0"/>
-              <a:t>sản</a:t>
+              <a:t>thanh</a:t>
             </a:r>
             <a:r>
               <a:rPr lang="en-US" dirty="0" smtClean="0"/>
@@ -7154,157 +8187,14 @@
             </a:r>
             <a:r>
               <a:rPr lang="en-US" dirty="0" err="1" smtClean="0"/>
-              <a:t>phẩm</a:t>
-            </a:r>
-            <a:r>
-              <a:rPr lang="en-US" dirty="0" smtClean="0"/>
-              <a:t> </a:t>
-            </a:r>
-            <a:r>
-              <a:rPr lang="en-US" dirty="0" err="1" smtClean="0"/>
-              <a:t>khác</a:t>
-            </a:r>
-            <a:r>
-              <a:rPr lang="en-US" dirty="0" smtClean="0"/>
-              <a:t> </a:t>
-            </a:r>
-            <a:r>
-              <a:rPr lang="en-US" dirty="0" err="1" smtClean="0"/>
-              <a:t>nhau</a:t>
-            </a:r>
-            <a:r>
-              <a:rPr lang="en-US" dirty="0"/>
-              <a:t>: paper, </a:t>
-            </a:r>
-            <a:r>
-              <a:rPr lang="en-US" dirty="0" smtClean="0"/>
-              <a:t>writing, …</a:t>
-            </a:r>
-          </a:p>
-          <a:p>
-            <a:r>
-              <a:rPr lang="en-US" dirty="0" err="1" smtClean="0"/>
-              <a:t>Mỗi</a:t>
-            </a:r>
-            <a:r>
-              <a:rPr lang="en-US" dirty="0" smtClean="0"/>
-              <a:t> </a:t>
-            </a:r>
-            <a:r>
-              <a:rPr lang="en-US" dirty="0" err="1" smtClean="0"/>
-              <a:t>loại</a:t>
-            </a:r>
-            <a:r>
-              <a:rPr lang="en-US" dirty="0" smtClean="0"/>
-              <a:t> </a:t>
-            </a:r>
-            <a:r>
-              <a:rPr lang="en-US" dirty="0" err="1" smtClean="0"/>
-              <a:t>sản</a:t>
-            </a:r>
-            <a:r>
-              <a:rPr lang="en-US" dirty="0" smtClean="0"/>
-              <a:t> </a:t>
-            </a:r>
-            <a:r>
-              <a:rPr lang="en-US" dirty="0" err="1" smtClean="0"/>
-              <a:t>phẩm</a:t>
-            </a:r>
-            <a:r>
-              <a:rPr lang="en-US" dirty="0" smtClean="0"/>
-              <a:t> </a:t>
-            </a:r>
-            <a:r>
-              <a:rPr lang="en-US" dirty="0" err="1" smtClean="0"/>
-              <a:t>thì</a:t>
-            </a:r>
-            <a:r>
-              <a:rPr lang="en-US" dirty="0" smtClean="0"/>
-              <a:t> </a:t>
-            </a:r>
-            <a:r>
-              <a:rPr lang="en-US" dirty="0" err="1" smtClean="0"/>
-              <a:t>có</a:t>
-            </a:r>
-            <a:r>
-              <a:rPr lang="en-US" dirty="0" smtClean="0"/>
-              <a:t> </a:t>
-            </a:r>
-            <a:r>
-              <a:rPr lang="en-US" dirty="0" err="1" smtClean="0"/>
-              <a:t>nhiều</a:t>
-            </a:r>
-            <a:r>
-              <a:rPr lang="en-US" dirty="0" smtClean="0"/>
-              <a:t> </a:t>
-            </a:r>
-            <a:r>
-              <a:rPr lang="en-US" dirty="0" err="1" smtClean="0"/>
-              <a:t>sản</a:t>
-            </a:r>
-            <a:r>
-              <a:rPr lang="en-US" dirty="0" smtClean="0"/>
-              <a:t> </a:t>
-            </a:r>
-            <a:r>
-              <a:rPr lang="en-US" dirty="0" err="1" smtClean="0"/>
-              <a:t>phẩm</a:t>
-            </a:r>
-            <a:r>
-              <a:rPr lang="en-US" dirty="0" smtClean="0"/>
-              <a:t> </a:t>
-            </a:r>
-            <a:r>
-              <a:rPr lang="en-US" dirty="0" err="1" smtClean="0"/>
-              <a:t>để</a:t>
-            </a:r>
-            <a:r>
-              <a:rPr lang="en-US" dirty="0" smtClean="0"/>
-              <a:t> </a:t>
-            </a:r>
-            <a:r>
-              <a:rPr lang="en-US" dirty="0" err="1" smtClean="0"/>
-              <a:t>chọn</a:t>
-            </a:r>
-            <a:r>
-              <a:rPr lang="en-US" dirty="0" smtClean="0"/>
-              <a:t> </a:t>
-            </a:r>
-            <a:r>
-              <a:rPr lang="en-US" dirty="0" err="1" smtClean="0"/>
-              <a:t>lựa</a:t>
-            </a:r>
-            <a:endParaRPr lang="en-US" dirty="0" smtClean="0"/>
-          </a:p>
-          <a:p>
-            <a:r>
-              <a:rPr lang="en-US" b="1" dirty="0" smtClean="0"/>
-              <a:t>Product detail </a:t>
-            </a:r>
-            <a:r>
-              <a:rPr lang="en-US" dirty="0" smtClean="0"/>
-              <a:t>: chi </a:t>
-            </a:r>
-            <a:r>
-              <a:rPr lang="en-US" dirty="0" err="1" smtClean="0"/>
-              <a:t>tiết</a:t>
-            </a:r>
-            <a:r>
-              <a:rPr lang="en-US" dirty="0" smtClean="0"/>
-              <a:t> </a:t>
-            </a:r>
-            <a:r>
-              <a:rPr lang="en-US" dirty="0" err="1" smtClean="0"/>
-              <a:t>sản</a:t>
-            </a:r>
-            <a:r>
-              <a:rPr lang="en-US" dirty="0" smtClean="0"/>
-              <a:t> </a:t>
-            </a:r>
-            <a:r>
-              <a:rPr lang="en-US" dirty="0" err="1" smtClean="0"/>
-              <a:t>phẩm</a:t>
-            </a:r>
+              <a:t>toán</a:t>
+            </a:r>
+            <a:r>
+              <a:rPr lang="en-US" dirty="0" smtClean="0"/>
+              <a:t>.</a:t>
+            </a:r>
+          </a:p>
+          <a:p>
             <a:endParaRPr lang="en-US" dirty="0"/>
           </a:p>
         </p:txBody>
@@ -7312,7 +8202,7 @@
     </p:spTree>
     <p:extLst>
       <p:ext uri="{BB962C8B-B14F-4D97-AF65-F5344CB8AC3E}">
-        <p14:creationId xmlns:p14="http://schemas.microsoft.com/office/powerpoint/2010/main" val="3351105822"/>
+        <p14:creationId xmlns:p14="http://schemas.microsoft.com/office/powerpoint/2010/main" val="1595199548"/>
       </p:ext>
     </p:extLst>
   </p:cSld>
@@ -7355,8 +8245,92 @@
           <a:lstStyle/>
           <a:p>
             <a:r>
-              <a:rPr lang="en-US" dirty="0" smtClean="0"/>
-              <a:t>3. Search</a:t>
+              <a:rPr lang="en-US" dirty="0" smtClean="0">
+                <a:solidFill>
+                  <a:prstClr val="black">
+                    <a:lumMod val="85000"/>
+                    <a:lumOff val="15000"/>
+                  </a:prstClr>
+                </a:solidFill>
+              </a:rPr>
+              <a:t>3. </a:t>
+            </a:r>
+            <a:r>
+              <a:rPr lang="en-US" dirty="0" err="1" smtClean="0">
+                <a:solidFill>
+                  <a:prstClr val="black">
+                    <a:lumMod val="85000"/>
+                    <a:lumOff val="15000"/>
+                  </a:prstClr>
+                </a:solidFill>
+              </a:rPr>
+              <a:t>Dịch</a:t>
+            </a:r>
+            <a:r>
+              <a:rPr lang="en-US" dirty="0" smtClean="0">
+                <a:solidFill>
+                  <a:prstClr val="black">
+                    <a:lumMod val="85000"/>
+                    <a:lumOff val="15000"/>
+                  </a:prstClr>
+                </a:solidFill>
+              </a:rPr>
+              <a:t> </a:t>
+            </a:r>
+            <a:r>
+              <a:rPr lang="en-US" dirty="0" err="1" smtClean="0">
+                <a:solidFill>
+                  <a:prstClr val="black">
+                    <a:lumMod val="85000"/>
+                    <a:lumOff val="15000"/>
+                  </a:prstClr>
+                </a:solidFill>
+              </a:rPr>
+              <a:t>vụ</a:t>
+            </a:r>
+            <a:r>
+              <a:rPr lang="en-US" dirty="0" smtClean="0">
+                <a:solidFill>
+                  <a:prstClr val="black">
+                    <a:lumMod val="85000"/>
+                    <a:lumOff val="15000"/>
+                  </a:prstClr>
+                </a:solidFill>
+              </a:rPr>
+              <a:t> </a:t>
+            </a:r>
+            <a:r>
+              <a:rPr lang="en-US" dirty="0" err="1" smtClean="0">
+                <a:solidFill>
+                  <a:prstClr val="black">
+                    <a:lumMod val="85000"/>
+                    <a:lumOff val="15000"/>
+                  </a:prstClr>
+                </a:solidFill>
+              </a:rPr>
+              <a:t>đi</a:t>
+            </a:r>
+            <a:r>
+              <a:rPr lang="en-US" dirty="0" smtClean="0">
+                <a:solidFill>
+                  <a:prstClr val="black">
+                    <a:lumMod val="85000"/>
+                    <a:lumOff val="15000"/>
+                  </a:prstClr>
+                </a:solidFill>
+              </a:rPr>
+              <a:t> </a:t>
+            </a:r>
+            <a:r>
+              <a:rPr lang="en-US" dirty="0" err="1" smtClean="0">
+                <a:solidFill>
+                  <a:prstClr val="black">
+                    <a:lumMod val="85000"/>
+                    <a:lumOff val="15000"/>
+                  </a:prstClr>
+                </a:solidFill>
+              </a:rPr>
+              <a:t>kèm</a:t>
             </a:r>
             <a:endParaRPr lang="en-US" dirty="0"/>
           </a:p>
@@ -7378,53 +8352,393 @@
           <a:lstStyle/>
           <a:p>
             <a:r>
-              <a:rPr lang="en-US" dirty="0" err="1" smtClean="0"/>
-              <a:t>Khách</a:t>
-            </a:r>
-            <a:r>
-              <a:rPr lang="en-US" dirty="0" smtClean="0"/>
-              <a:t> </a:t>
-            </a:r>
-            <a:r>
-              <a:rPr lang="en-US" dirty="0" err="1" smtClean="0"/>
+              <a:rPr lang="en-US" dirty="0" smtClean="0">
+                <a:solidFill>
+                  <a:prstClr val="black">
+                    <a:lumMod val="85000"/>
+                    <a:lumOff val="15000"/>
+                  </a:prstClr>
+                </a:solidFill>
+              </a:rPr>
+              <a:t>Free shipping: </a:t>
+            </a:r>
+            <a:r>
+              <a:rPr lang="en-US" dirty="0" err="1" smtClean="0">
+                <a:solidFill>
+                  <a:prstClr val="black">
+                    <a:lumMod val="85000"/>
+                    <a:lumOff val="15000"/>
+                  </a:prstClr>
+                </a:solidFill>
+              </a:rPr>
+              <a:t>khi</a:t>
+            </a:r>
+            <a:r>
+              <a:rPr lang="en-US" dirty="0" smtClean="0">
+                <a:solidFill>
+                  <a:prstClr val="black">
+                    <a:lumMod val="85000"/>
+                    <a:lumOff val="15000"/>
+                  </a:prstClr>
+                </a:solidFill>
+              </a:rPr>
+              <a:t> </a:t>
+            </a:r>
+            <a:r>
+              <a:rPr lang="en-US" dirty="0" err="1" smtClean="0">
+                <a:solidFill>
+                  <a:prstClr val="black">
+                    <a:lumMod val="85000"/>
+                    <a:lumOff val="15000"/>
+                  </a:prstClr>
+                </a:solidFill>
+              </a:rPr>
+              <a:t>đơn</a:t>
+            </a:r>
+            <a:r>
+              <a:rPr lang="en-US" dirty="0" smtClean="0">
+                <a:solidFill>
+                  <a:prstClr val="black">
+                    <a:lumMod val="85000"/>
+                    <a:lumOff val="15000"/>
+                  </a:prstClr>
+                </a:solidFill>
+              </a:rPr>
+              <a:t> </a:t>
+            </a:r>
+            <a:r>
+              <a:rPr lang="en-US" dirty="0" err="1" smtClean="0">
+                <a:solidFill>
+                  <a:prstClr val="black">
+                    <a:lumMod val="85000"/>
+                    <a:lumOff val="15000"/>
+                  </a:prstClr>
+                </a:solidFill>
+              </a:rPr>
               <a:t>hàng</a:t>
             </a:r>
             <a:r>
-              <a:rPr lang="en-US" dirty="0" smtClean="0"/>
-              <a:t> </a:t>
-            </a:r>
-            <a:r>
-              <a:rPr lang="en-US" dirty="0" err="1" smtClean="0"/>
-              <a:t>tìm</a:t>
-            </a:r>
-            <a:r>
-              <a:rPr lang="en-US" dirty="0" smtClean="0"/>
-              <a:t> </a:t>
-            </a:r>
-            <a:r>
-              <a:rPr lang="en-US" dirty="0" err="1" smtClean="0"/>
-              <a:t>kiếm</a:t>
-            </a:r>
-            <a:r>
-              <a:rPr lang="en-US" dirty="0" smtClean="0"/>
-              <a:t> </a:t>
-            </a:r>
-            <a:r>
-              <a:rPr lang="en-US" dirty="0" err="1" smtClean="0"/>
-              <a:t>sản</a:t>
-            </a:r>
-            <a:r>
-              <a:rPr lang="en-US" dirty="0" smtClean="0"/>
-              <a:t> </a:t>
-            </a:r>
-            <a:r>
-              <a:rPr lang="en-US" dirty="0" err="1" smtClean="0"/>
-              <a:t>phẩm</a:t>
-            </a:r>
-            <a:r>
-              <a:rPr lang="en-US" dirty="0" smtClean="0"/>
-              <a:t> </a:t>
-            </a:r>
+              <a:rPr lang="en-US" dirty="0" smtClean="0">
+                <a:solidFill>
+                  <a:prstClr val="black">
+                    <a:lumMod val="85000"/>
+                    <a:lumOff val="15000"/>
+                  </a:prstClr>
+                </a:solidFill>
+              </a:rPr>
+              <a:t> </a:t>
+            </a:r>
+            <a:r>
+              <a:rPr lang="en-US" dirty="0" err="1" smtClean="0">
+                <a:solidFill>
+                  <a:prstClr val="black">
+                    <a:lumMod val="85000"/>
+                    <a:lumOff val="15000"/>
+                  </a:prstClr>
+                </a:solidFill>
+              </a:rPr>
+              <a:t>lớn</a:t>
+            </a:r>
+            <a:r>
+              <a:rPr lang="en-US" dirty="0" smtClean="0">
+                <a:solidFill>
+                  <a:prstClr val="black">
+                    <a:lumMod val="85000"/>
+                    <a:lumOff val="15000"/>
+                  </a:prstClr>
+                </a:solidFill>
+              </a:rPr>
+              <a:t> </a:t>
+            </a:r>
+            <a:r>
+              <a:rPr lang="en-US" dirty="0" err="1" smtClean="0">
+                <a:solidFill>
+                  <a:prstClr val="black">
+                    <a:lumMod val="85000"/>
+                    <a:lumOff val="15000"/>
+                  </a:prstClr>
+                </a:solidFill>
+              </a:rPr>
+              <a:t>hơn</a:t>
+            </a:r>
+            <a:r>
+              <a:rPr lang="en-US" dirty="0" smtClean="0">
+                <a:solidFill>
+                  <a:prstClr val="black">
+                    <a:lumMod val="85000"/>
+                    <a:lumOff val="15000"/>
+                  </a:prstClr>
+                </a:solidFill>
+              </a:rPr>
+              <a:t> 99$, </a:t>
+            </a:r>
+          </a:p>
+          <a:p>
+            <a:r>
+              <a:rPr lang="en-US" dirty="0" smtClean="0">
+                <a:solidFill>
+                  <a:prstClr val="black">
+                    <a:lumMod val="85000"/>
+                    <a:lumOff val="15000"/>
+                  </a:prstClr>
+                </a:solidFill>
+              </a:rPr>
+              <a:t>Customer </a:t>
+            </a:r>
+            <a:r>
+              <a:rPr lang="en-US" dirty="0">
+                <a:solidFill>
+                  <a:prstClr val="black">
+                    <a:lumMod val="85000"/>
+                    <a:lumOff val="15000"/>
+                  </a:prstClr>
+                </a:solidFill>
+              </a:rPr>
+              <a:t>Service </a:t>
+            </a:r>
+            <a:r>
+              <a:rPr lang="en-US" dirty="0" smtClean="0">
+                <a:solidFill>
+                  <a:prstClr val="black">
+                    <a:lumMod val="85000"/>
+                    <a:lumOff val="15000"/>
+                  </a:prstClr>
+                </a:solidFill>
+              </a:rPr>
+              <a:t>27/7: </a:t>
+            </a:r>
+            <a:r>
+              <a:rPr lang="en-US" dirty="0" err="1" smtClean="0">
+                <a:solidFill>
+                  <a:prstClr val="black">
+                    <a:lumMod val="85000"/>
+                    <a:lumOff val="15000"/>
+                  </a:prstClr>
+                </a:solidFill>
+              </a:rPr>
+              <a:t>khi</a:t>
+            </a:r>
+            <a:r>
+              <a:rPr lang="en-US" dirty="0" smtClean="0">
+                <a:solidFill>
+                  <a:prstClr val="black">
+                    <a:lumMod val="85000"/>
+                    <a:lumOff val="15000"/>
+                  </a:prstClr>
+                </a:solidFill>
+              </a:rPr>
+              <a:t> </a:t>
+            </a:r>
+            <a:r>
+              <a:rPr lang="en-US" dirty="0" err="1" smtClean="0">
+                <a:solidFill>
+                  <a:prstClr val="black">
+                    <a:lumMod val="85000"/>
+                    <a:lumOff val="15000"/>
+                  </a:prstClr>
+                </a:solidFill>
+              </a:rPr>
+              <a:t>khách</a:t>
+            </a:r>
+            <a:r>
+              <a:rPr lang="en-US" dirty="0" smtClean="0">
+                <a:solidFill>
+                  <a:prstClr val="black">
+                    <a:lumMod val="85000"/>
+                    <a:lumOff val="15000"/>
+                  </a:prstClr>
+                </a:solidFill>
+              </a:rPr>
+              <a:t> hang </a:t>
+            </a:r>
+            <a:r>
+              <a:rPr lang="en-US" dirty="0" err="1" smtClean="0">
+                <a:solidFill>
+                  <a:prstClr val="black">
+                    <a:lumMod val="85000"/>
+                    <a:lumOff val="15000"/>
+                  </a:prstClr>
+                </a:solidFill>
+              </a:rPr>
+              <a:t>yêu</a:t>
+            </a:r>
+            <a:r>
+              <a:rPr lang="en-US" dirty="0" smtClean="0">
+                <a:solidFill>
+                  <a:prstClr val="black">
+                    <a:lumMod val="85000"/>
+                    <a:lumOff val="15000"/>
+                  </a:prstClr>
+                </a:solidFill>
+              </a:rPr>
+              <a:t> </a:t>
+            </a:r>
+            <a:r>
+              <a:rPr lang="en-US" dirty="0" err="1" smtClean="0">
+                <a:solidFill>
+                  <a:prstClr val="black">
+                    <a:lumMod val="85000"/>
+                    <a:lumOff val="15000"/>
+                  </a:prstClr>
+                </a:solidFill>
+              </a:rPr>
+              <a:t>cầu</a:t>
+            </a:r>
+            <a:r>
+              <a:rPr lang="en-US" dirty="0" smtClean="0">
+                <a:solidFill>
+                  <a:prstClr val="black">
+                    <a:lumMod val="85000"/>
+                    <a:lumOff val="15000"/>
+                  </a:prstClr>
+                </a:solidFill>
+              </a:rPr>
+              <a:t> </a:t>
+            </a:r>
+            <a:r>
+              <a:rPr lang="en-US" dirty="0" err="1" smtClean="0">
+                <a:solidFill>
+                  <a:prstClr val="black">
+                    <a:lumMod val="85000"/>
+                    <a:lumOff val="15000"/>
+                  </a:prstClr>
+                </a:solidFill>
+              </a:rPr>
+              <a:t>hỗ</a:t>
+            </a:r>
+            <a:r>
+              <a:rPr lang="en-US" dirty="0" smtClean="0">
+                <a:solidFill>
+                  <a:prstClr val="black">
+                    <a:lumMod val="85000"/>
+                    <a:lumOff val="15000"/>
+                  </a:prstClr>
+                </a:solidFill>
+              </a:rPr>
+              <a:t> </a:t>
+            </a:r>
+            <a:r>
+              <a:rPr lang="en-US" dirty="0" err="1" smtClean="0">
+                <a:solidFill>
+                  <a:prstClr val="black">
+                    <a:lumMod val="85000"/>
+                    <a:lumOff val="15000"/>
+                  </a:prstClr>
+                </a:solidFill>
+              </a:rPr>
+              <a:t>trợ</a:t>
+            </a:r>
+            <a:r>
+              <a:rPr lang="en-US" dirty="0" smtClean="0">
+                <a:solidFill>
+                  <a:prstClr val="black">
+                    <a:lumMod val="85000"/>
+                    <a:lumOff val="15000"/>
+                  </a:prstClr>
+                </a:solidFill>
+              </a:rPr>
+              <a:t> </a:t>
+            </a:r>
+          </a:p>
+          <a:p>
+            <a:r>
+              <a:rPr lang="en-US" dirty="0" smtClean="0">
+                <a:solidFill>
+                  <a:prstClr val="black">
+                    <a:lumMod val="85000"/>
+                    <a:lumOff val="15000"/>
+                  </a:prstClr>
+                </a:solidFill>
+              </a:rPr>
+              <a:t>100</a:t>
+            </a:r>
+            <a:r>
+              <a:rPr lang="en-US" dirty="0">
+                <a:solidFill>
+                  <a:prstClr val="black">
+                    <a:lumMod val="85000"/>
+                    <a:lumOff val="15000"/>
+                  </a:prstClr>
+                </a:solidFill>
+              </a:rPr>
+              <a:t>% Money </a:t>
+            </a:r>
+            <a:r>
+              <a:rPr lang="en-US" dirty="0" smtClean="0">
+                <a:solidFill>
+                  <a:prstClr val="black">
+                    <a:lumMod val="85000"/>
+                    <a:lumOff val="15000"/>
+                  </a:prstClr>
+                </a:solidFill>
+              </a:rPr>
+              <a:t>back : </a:t>
+            </a:r>
+            <a:r>
+              <a:rPr lang="en-US" dirty="0" err="1" smtClean="0">
+                <a:solidFill>
+                  <a:prstClr val="black">
+                    <a:lumMod val="85000"/>
+                    <a:lumOff val="15000"/>
+                  </a:prstClr>
+                </a:solidFill>
+              </a:rPr>
+              <a:t>trong</a:t>
+            </a:r>
+            <a:r>
+              <a:rPr lang="en-US" dirty="0" smtClean="0">
+                <a:solidFill>
+                  <a:prstClr val="black">
+                    <a:lumMod val="85000"/>
+                    <a:lumOff val="15000"/>
+                  </a:prstClr>
+                </a:solidFill>
+              </a:rPr>
+              <a:t> </a:t>
+            </a:r>
+            <a:r>
+              <a:rPr lang="en-US" dirty="0" err="1" smtClean="0">
+                <a:solidFill>
+                  <a:prstClr val="black">
+                    <a:lumMod val="85000"/>
+                    <a:lumOff val="15000"/>
+                  </a:prstClr>
+                </a:solidFill>
+              </a:rPr>
+              <a:t>vòng</a:t>
+            </a:r>
+            <a:r>
+              <a:rPr lang="en-US" dirty="0" smtClean="0">
+                <a:solidFill>
+                  <a:prstClr val="black">
+                    <a:lumMod val="85000"/>
+                    <a:lumOff val="15000"/>
+                  </a:prstClr>
+                </a:solidFill>
+              </a:rPr>
+              <a:t> 2 </a:t>
+            </a:r>
+            <a:r>
+              <a:rPr lang="en-US" dirty="0" err="1" smtClean="0">
+                <a:solidFill>
+                  <a:prstClr val="black">
+                    <a:lumMod val="85000"/>
+                    <a:lumOff val="15000"/>
+                  </a:prstClr>
+                </a:solidFill>
+              </a:rPr>
+              <a:t>ngày</a:t>
+            </a:r>
+            <a:endParaRPr lang="en-US" dirty="0" smtClean="0">
+              <a:solidFill>
+                <a:prstClr val="black">
+                  <a:lumMod val="85000"/>
+                  <a:lumOff val="15000"/>
+                </a:prstClr>
+              </a:solidFill>
+            </a:endParaRPr>
+          </a:p>
+          <a:p>
             <a:endParaRPr lang="en-US" dirty="0"/>
           </a:p>
         </p:txBody>
@@ -7432,7 +8746,7 @@
     </p:spTree>
     <p:extLst>
       <p:ext uri="{BB962C8B-B14F-4D97-AF65-F5344CB8AC3E}">
-        <p14:creationId xmlns:p14="http://schemas.microsoft.com/office/powerpoint/2010/main" val="2555561560"/>
+        <p14:creationId xmlns:p14="http://schemas.microsoft.com/office/powerpoint/2010/main" val="693559052"/>
       </p:ext>
     </p:extLst>
   </p:cSld>
@@ -7476,15 +8790,19 @@
           <a:p>
             <a:r>
               <a:rPr lang="en-US" dirty="0"/>
-              <a:t>3.Contact </a:t>
-            </a:r>
-            <a:r>
-              <a:rPr lang="en-US" dirty="0" smtClean="0"/>
-              <a:t>, About </a:t>
-            </a:r>
-            <a:r>
-              <a:rPr lang="en-US" dirty="0" smtClean="0"/>
-              <a:t>Us, Feedback</a:t>
+              <a:t>4</a:t>
+            </a:r>
+            <a:r>
+              <a:rPr lang="en-US" dirty="0" smtClean="0"/>
+              <a:t>.Contact </a:t>
+            </a:r>
+            <a:r>
+              <a:rPr lang="en-US" dirty="0" smtClean="0"/>
+              <a:t>, About Us, </a:t>
+            </a:r>
+            <a:r>
+              <a:rPr lang="en-US" dirty="0" smtClean="0"/>
+              <a:t>Feedback, Job</a:t>
             </a:r>
             <a:endParaRPr lang="en-US" dirty="0"/>
           </a:p>
@@ -7643,8 +8961,79 @@
             </a:r>
             <a:r>
               <a:rPr lang="en-US" dirty="0"/>
-              <a:t>, email</a:t>
-            </a:r>
+              <a:t>, </a:t>
+            </a:r>
+            <a:r>
+              <a:rPr lang="en-US" dirty="0" smtClean="0"/>
+              <a:t>email</a:t>
+            </a:r>
+          </a:p>
+          <a:p>
+            <a:r>
+              <a:rPr lang="en-US" dirty="0" smtClean="0"/>
+              <a:t>Job : </a:t>
+            </a:r>
+            <a:r>
+              <a:rPr lang="en-US" dirty="0" err="1" smtClean="0"/>
+              <a:t>Liên</a:t>
+            </a:r>
+            <a:r>
+              <a:rPr lang="en-US" dirty="0" smtClean="0"/>
+              <a:t> </a:t>
+            </a:r>
+            <a:r>
+              <a:rPr lang="en-US" dirty="0" err="1" smtClean="0"/>
+              <a:t>hệ</a:t>
+            </a:r>
+            <a:r>
+              <a:rPr lang="en-US" dirty="0" smtClean="0"/>
+              <a:t> </a:t>
+            </a:r>
+            <a:r>
+              <a:rPr lang="en-US" dirty="0" err="1" smtClean="0"/>
+              <a:t>công</a:t>
+            </a:r>
+            <a:r>
+              <a:rPr lang="en-US" dirty="0" smtClean="0"/>
+              <a:t> </a:t>
+            </a:r>
+            <a:r>
+              <a:rPr lang="en-US" dirty="0" err="1" smtClean="0"/>
+              <a:t>việc</a:t>
+            </a:r>
+            <a:r>
+              <a:rPr lang="en-US" dirty="0" smtClean="0"/>
+              <a:t> </a:t>
+            </a:r>
+            <a:r>
+              <a:rPr lang="en-US" dirty="0" err="1" smtClean="0"/>
+              <a:t>khi</a:t>
+            </a:r>
+            <a:r>
+              <a:rPr lang="en-US" dirty="0" smtClean="0"/>
+              <a:t> </a:t>
+            </a:r>
+            <a:r>
+              <a:rPr lang="en-US" dirty="0" err="1" smtClean="0"/>
+              <a:t>cty</a:t>
+            </a:r>
+            <a:r>
+              <a:rPr lang="en-US" dirty="0" smtClean="0"/>
+              <a:t> </a:t>
+            </a:r>
+            <a:r>
+              <a:rPr lang="en-US" dirty="0" err="1" smtClean="0"/>
+              <a:t>tuyển</a:t>
+            </a:r>
+            <a:r>
+              <a:rPr lang="en-US" dirty="0" smtClean="0"/>
+              <a:t> </a:t>
+            </a:r>
+            <a:r>
+              <a:rPr lang="en-US" dirty="0" err="1" smtClean="0"/>
+              <a:t>người</a:t>
+            </a:r>
+            <a:endParaRPr lang="en-US" dirty="0"/>
           </a:p>
           <a:p>
             <a:endParaRPr lang="en-US" dirty="0"/>
@@ -7971,22 +9360,426 @@
           <a:p>
             <a:r>
               <a:rPr lang="en-US" dirty="0" smtClean="0"/>
-              <a:t>5.Phần </a:t>
-            </a:r>
+              <a:t>5. Account , </a:t>
+            </a:r>
+            <a:r>
+              <a:rPr lang="en-US" dirty="0" err="1"/>
+              <a:t>Tiên</a:t>
+            </a:r>
+            <a:r>
+              <a:rPr lang="en-US" dirty="0"/>
+              <a:t> </a:t>
+            </a:r>
+            <a:r>
+              <a:rPr lang="en-US" dirty="0" err="1"/>
+              <a:t>ích</a:t>
+            </a:r>
+            <a:r>
+              <a:rPr lang="en-US" dirty="0"/>
+              <a:t> </a:t>
+            </a:r>
+            <a:r>
+              <a:rPr lang="en-US" dirty="0" err="1"/>
+              <a:t>khác</a:t>
+            </a:r>
+            <a:endParaRPr lang="en-US" dirty="0"/>
+          </a:p>
+        </p:txBody>
+      </p:sp>
+      <p:sp>
+        <p:nvSpPr>
+          <p:cNvPr id="3" name="Content Placeholder 2"/>
+          <p:cNvSpPr>
+            <a:spLocks noGrp="1"/>
+          </p:cNvSpPr>
+          <p:nvPr>
+            <p:ph sz="half" idx="1"/>
+          </p:nvPr>
+        </p:nvSpPr>
+        <p:spPr/>
+        <p:txBody>
+          <a:bodyPr/>
+          <a:lstStyle/>
+          <a:p>
             <a:r>
               <a:rPr lang="en-US" dirty="0" err="1" smtClean="0"/>
+              <a:t>Singin</a:t>
+            </a:r>
+            <a:r>
+              <a:rPr lang="en-US" dirty="0" smtClean="0"/>
+              <a:t> : login </a:t>
+            </a:r>
+            <a:r>
+              <a:rPr lang="en-US" dirty="0" err="1" smtClean="0"/>
+              <a:t>vào</a:t>
+            </a:r>
+            <a:r>
+              <a:rPr lang="en-US" dirty="0" smtClean="0"/>
+              <a:t> </a:t>
+            </a:r>
+            <a:r>
+              <a:rPr lang="en-US" dirty="0" err="1" smtClean="0"/>
+              <a:t>tài</a:t>
+            </a:r>
+            <a:r>
+              <a:rPr lang="en-US" dirty="0" smtClean="0"/>
+              <a:t> </a:t>
+            </a:r>
+            <a:r>
+              <a:rPr lang="en-US" dirty="0" err="1" smtClean="0"/>
+              <a:t>khoản</a:t>
+            </a:r>
+            <a:r>
+              <a:rPr lang="en-US" dirty="0" smtClean="0"/>
+              <a:t> </a:t>
+            </a:r>
+            <a:r>
+              <a:rPr lang="en-US" dirty="0" err="1" smtClean="0"/>
+              <a:t>khách</a:t>
+            </a:r>
+            <a:r>
+              <a:rPr lang="en-US" dirty="0" smtClean="0"/>
+              <a:t> hang</a:t>
+            </a:r>
+          </a:p>
+          <a:p>
+            <a:r>
+              <a:rPr lang="en-US" dirty="0" err="1"/>
+              <a:t>Singup</a:t>
+            </a:r>
+            <a:r>
+              <a:rPr lang="en-US" dirty="0"/>
+              <a:t> : </a:t>
+            </a:r>
+            <a:r>
+              <a:rPr lang="en-US" dirty="0" err="1"/>
+              <a:t>đăng</a:t>
+            </a:r>
+            <a:r>
+              <a:rPr lang="en-US" dirty="0"/>
+              <a:t> </a:t>
+            </a:r>
+            <a:r>
+              <a:rPr lang="en-US" dirty="0" err="1"/>
+              <a:t>ký</a:t>
+            </a:r>
+            <a:r>
+              <a:rPr lang="en-US" dirty="0"/>
+              <a:t> </a:t>
+            </a:r>
+            <a:r>
+              <a:rPr lang="en-US" dirty="0" err="1"/>
+              <a:t>tài</a:t>
+            </a:r>
+            <a:r>
+              <a:rPr lang="en-US" dirty="0"/>
+              <a:t> </a:t>
+            </a:r>
+            <a:r>
+              <a:rPr lang="en-US" dirty="0" err="1"/>
+              <a:t>khoản</a:t>
+            </a:r>
+            <a:r>
+              <a:rPr lang="en-US" dirty="0"/>
+              <a:t> </a:t>
+            </a:r>
+            <a:r>
+              <a:rPr lang="en-US" dirty="0" err="1"/>
+              <a:t>khách</a:t>
+            </a:r>
+            <a:r>
+              <a:rPr lang="en-US" dirty="0"/>
+              <a:t> </a:t>
+            </a:r>
+            <a:r>
+              <a:rPr lang="en-US" dirty="0" smtClean="0"/>
+              <a:t>hang</a:t>
+            </a:r>
+          </a:p>
+          <a:p>
+            <a:r>
+              <a:rPr lang="en-US" dirty="0" err="1"/>
+              <a:t>Tiên</a:t>
+            </a:r>
+            <a:r>
+              <a:rPr lang="en-US" dirty="0"/>
+              <a:t> </a:t>
+            </a:r>
+            <a:r>
+              <a:rPr lang="en-US" dirty="0" err="1"/>
+              <a:t>ích</a:t>
+            </a:r>
+            <a:r>
+              <a:rPr lang="en-US" dirty="0"/>
+              <a:t> </a:t>
+            </a:r>
+            <a:r>
+              <a:rPr lang="en-US" dirty="0" err="1"/>
+              <a:t>khác</a:t>
+            </a:r>
+            <a:r>
+              <a:rPr lang="en-US" dirty="0"/>
+              <a:t>: chia </a:t>
+            </a:r>
+            <a:r>
+              <a:rPr lang="en-US" dirty="0" err="1"/>
+              <a:t>sẻ</a:t>
+            </a:r>
+            <a:r>
+              <a:rPr lang="en-US" dirty="0"/>
+              <a:t> </a:t>
+            </a:r>
+            <a:r>
+              <a:rPr lang="en-US" dirty="0" err="1"/>
+              <a:t>lên</a:t>
+            </a:r>
+            <a:r>
+              <a:rPr lang="en-US" dirty="0"/>
+              <a:t> </a:t>
+            </a:r>
+            <a:r>
+              <a:rPr lang="en-US" dirty="0" err="1"/>
+              <a:t>mạng</a:t>
+            </a:r>
+            <a:r>
+              <a:rPr lang="en-US" dirty="0"/>
+              <a:t> </a:t>
+            </a:r>
+            <a:r>
+              <a:rPr lang="en-US" dirty="0" err="1"/>
+              <a:t>xã</a:t>
+            </a:r>
+            <a:r>
+              <a:rPr lang="en-US" dirty="0"/>
+              <a:t> </a:t>
+            </a:r>
+            <a:r>
+              <a:rPr lang="en-US" dirty="0" err="1"/>
+              <a:t>hội</a:t>
+            </a:r>
+            <a:r>
+              <a:rPr lang="en-US" dirty="0"/>
+              <a:t> </a:t>
+            </a:r>
+            <a:r>
+              <a:rPr lang="en-US" dirty="0" err="1"/>
+              <a:t>như</a:t>
+            </a:r>
+            <a:r>
+              <a:rPr lang="en-US" dirty="0"/>
+              <a:t> FB, TW</a:t>
+            </a:r>
+          </a:p>
+          <a:p>
+            <a:endParaRPr lang="en-US" dirty="0" smtClean="0"/>
+          </a:p>
+        </p:txBody>
+      </p:sp>
+      <p:sp>
+        <p:nvSpPr>
+          <p:cNvPr id="4" name="Content Placeholder 3"/>
+          <p:cNvSpPr>
+            <a:spLocks noGrp="1"/>
+          </p:cNvSpPr>
+          <p:nvPr>
+            <p:ph sz="half" idx="2"/>
+          </p:nvPr>
+        </p:nvSpPr>
+        <p:spPr/>
+        <p:txBody>
+          <a:bodyPr/>
+          <a:lstStyle/>
+          <a:p>
+            <a:r>
+              <a:rPr lang="en-US" dirty="0" err="1" smtClean="0"/>
+              <a:t>Mục</a:t>
+            </a:r>
+            <a:r>
+              <a:rPr lang="en-US" dirty="0" smtClean="0"/>
+              <a:t> </a:t>
+            </a:r>
+            <a:r>
+              <a:rPr lang="en-US" dirty="0" err="1"/>
+              <a:t>đích</a:t>
+            </a:r>
+            <a:r>
+              <a:rPr lang="en-US" dirty="0"/>
+              <a:t> </a:t>
+            </a:r>
+            <a:r>
+              <a:rPr lang="en-US" dirty="0" err="1"/>
+              <a:t>để</a:t>
+            </a:r>
+            <a:r>
+              <a:rPr lang="en-US" dirty="0"/>
+              <a:t> </a:t>
+            </a:r>
+            <a:r>
+              <a:rPr lang="en-US" dirty="0" err="1"/>
+              <a:t>thưởng</a:t>
+            </a:r>
+            <a:r>
+              <a:rPr lang="en-US" dirty="0"/>
+              <a:t> </a:t>
+            </a:r>
+            <a:r>
+              <a:rPr lang="en-US" dirty="0" err="1"/>
+              <a:t>điểm</a:t>
+            </a:r>
+            <a:r>
+              <a:rPr lang="en-US" dirty="0"/>
+              <a:t> </a:t>
+            </a:r>
+            <a:r>
+              <a:rPr lang="en-US" dirty="0" err="1"/>
+              <a:t>và</a:t>
+            </a:r>
+            <a:r>
+              <a:rPr lang="en-US" dirty="0"/>
+              <a:t> </a:t>
+            </a:r>
+            <a:r>
+              <a:rPr lang="en-US" dirty="0" err="1"/>
+              <a:t>cộng</a:t>
+            </a:r>
+            <a:r>
+              <a:rPr lang="en-US" dirty="0"/>
+              <a:t> </a:t>
+            </a:r>
+            <a:r>
+              <a:rPr lang="en-US" dirty="0" err="1"/>
+              <a:t>điểm</a:t>
+            </a:r>
+            <a:r>
+              <a:rPr lang="en-US" dirty="0"/>
+              <a:t>, </a:t>
+            </a:r>
+            <a:r>
+              <a:rPr lang="en-US" dirty="0" err="1"/>
+              <a:t>hưởng</a:t>
+            </a:r>
+            <a:r>
+              <a:rPr lang="en-US" dirty="0"/>
+              <a:t> </a:t>
+            </a:r>
+            <a:r>
+              <a:rPr lang="en-US" dirty="0" err="1"/>
+              <a:t>chiết</a:t>
+            </a:r>
+            <a:r>
+              <a:rPr lang="en-US" dirty="0"/>
+              <a:t> </a:t>
+            </a:r>
+            <a:r>
+              <a:rPr lang="en-US" dirty="0" err="1"/>
+              <a:t>khấu</a:t>
+            </a:r>
+            <a:r>
+              <a:rPr lang="en-US" dirty="0"/>
+              <a:t> </a:t>
+            </a:r>
+            <a:r>
+              <a:rPr lang="en-US" dirty="0" err="1"/>
+              <a:t>khi</a:t>
+            </a:r>
+            <a:r>
+              <a:rPr lang="en-US" dirty="0"/>
+              <a:t> </a:t>
+            </a:r>
+            <a:r>
+              <a:rPr lang="en-US" dirty="0" err="1"/>
               <a:t>mua</a:t>
             </a:r>
             <a:r>
-              <a:rPr lang="en-US" dirty="0" smtClean="0"/>
-              <a:t> </a:t>
-            </a:r>
-            <a:r>
-              <a:rPr lang="en-US" dirty="0" err="1" smtClean="0"/>
+              <a:rPr lang="en-US" dirty="0"/>
+              <a:t> </a:t>
+            </a:r>
+            <a:r>
+              <a:rPr lang="en-US" dirty="0" err="1"/>
               <a:t>hàng</a:t>
             </a:r>
             <a:endParaRPr lang="en-US" dirty="0"/>
           </a:p>
+          <a:p>
+            <a:endParaRPr lang="en-US" dirty="0"/>
+          </a:p>
+        </p:txBody>
+      </p:sp>
+    </p:spTree>
+    <p:extLst>
+      <p:ext uri="{BB962C8B-B14F-4D97-AF65-F5344CB8AC3E}">
+        <p14:creationId xmlns:p14="http://schemas.microsoft.com/office/powerpoint/2010/main" val="764364211"/>
+      </p:ext>
+    </p:extLst>
+  </p:cSld>
+  <p:clrMapOvr>
+    <a:masterClrMapping/>
+  </p:clrMapOvr>
+</p:sld>
+</file>
+
+<file path=ppt/slides/slide9.xml><?xml version="1.0" encoding="utf-8"?>
+<p:sld xmlns:a="http://schemas.openxmlformats.org/drawingml/2006/main" xmlns:r="http://schemas.openxmlformats.org/officeDocument/2006/relationships" xmlns:p="http://schemas.openxmlformats.org/presentationml/2006/main">
+  <p:cSld>
+    <p:spTree>
+      <p:nvGrpSpPr>
+        <p:cNvPr id="1" name=""/>
+        <p:cNvGrpSpPr/>
+        <p:nvPr/>
+      </p:nvGrpSpPr>
+      <p:grpSpPr>
+        <a:xfrm>
+          <a:off x="0" y="0"/>
+          <a:ext cx="0" cy="0"/>
+          <a:chOff x="0" y="0"/>
+          <a:chExt cx="0" cy="0"/>
+        </a:xfrm>
+      </p:grpSpPr>
+      <p:sp>
+        <p:nvSpPr>
+          <p:cNvPr id="2" name="Title 1"/>
+          <p:cNvSpPr>
+            <a:spLocks noGrp="1"/>
+          </p:cNvSpPr>
+          <p:nvPr>
+            <p:ph type="title"/>
+          </p:nvPr>
+        </p:nvSpPr>
+        <p:spPr/>
+        <p:txBody>
+          <a:bodyPr/>
+          <a:lstStyle/>
+          <a:p>
+            <a:r>
+              <a:rPr lang="en-US" dirty="0" err="1"/>
+              <a:t>Công</a:t>
+            </a:r>
+            <a:r>
+              <a:rPr lang="en-US" dirty="0"/>
+              <a:t> </a:t>
+            </a:r>
+            <a:r>
+              <a:rPr lang="en-US" dirty="0" err="1"/>
+              <a:t>nghệ</a:t>
+            </a:r>
+            <a:r>
+              <a:rPr lang="en-US" dirty="0"/>
+              <a:t> </a:t>
+            </a:r>
+            <a:r>
+              <a:rPr lang="en-US" dirty="0" err="1"/>
+              <a:t>sử</a:t>
+            </a:r>
+            <a:r>
+              <a:rPr lang="en-US" dirty="0"/>
+              <a:t> </a:t>
+            </a:r>
+            <a:r>
+              <a:rPr lang="en-US" dirty="0" err="1"/>
+              <a:t>dụng</a:t>
+            </a:r>
+            <a:endParaRPr lang="en-US" dirty="0"/>
+          </a:p>
         </p:txBody>
       </p:sp>
       <p:sp>
@@ -7996,7 +9789,7 @@
             <a:spLocks noGrp="1"/>
           </p:cNvSpPr>
           <p:nvPr>
-            <p:ph idx="1"/>
+            <p:ph sz="half" idx="1"/>
           </p:nvPr>
         </p:nvSpPr>
         <p:spPr/>
@@ -8006,792 +9799,140 @@
           </a:bodyPr>
           <a:lstStyle/>
           <a:p>
-            <a:r>
-              <a:rPr lang="en-US" dirty="0" err="1" smtClean="0"/>
-              <a:t>Dưới</a:t>
-            </a:r>
-            <a:r>
-              <a:rPr lang="en-US" dirty="0" smtClean="0"/>
-              <a:t> </a:t>
-            </a:r>
-            <a:r>
-              <a:rPr lang="en-US" dirty="0" err="1" smtClean="0"/>
-              <a:t>mỗi</a:t>
-            </a:r>
-            <a:r>
-              <a:rPr lang="en-US" dirty="0" smtClean="0"/>
-              <a:t> </a:t>
-            </a:r>
-            <a:r>
-              <a:rPr lang="en-US" dirty="0" err="1" smtClean="0"/>
-              <a:t>sản</a:t>
-            </a:r>
-            <a:r>
-              <a:rPr lang="en-US" dirty="0" smtClean="0"/>
-              <a:t> </a:t>
-            </a:r>
-            <a:r>
-              <a:rPr lang="en-US" dirty="0" err="1" smtClean="0"/>
-              <a:t>phẩm</a:t>
-            </a:r>
-            <a:r>
-              <a:rPr lang="en-US" dirty="0" smtClean="0"/>
-              <a:t> </a:t>
-            </a:r>
-            <a:r>
-              <a:rPr lang="en-US" dirty="0" err="1" smtClean="0"/>
-              <a:t>đều</a:t>
-            </a:r>
-            <a:r>
-              <a:rPr lang="en-US" dirty="0" smtClean="0"/>
-              <a:t> </a:t>
-            </a:r>
-            <a:r>
-              <a:rPr lang="en-US" dirty="0" err="1" smtClean="0"/>
-              <a:t>có</a:t>
-            </a:r>
-            <a:r>
-              <a:rPr lang="en-US" dirty="0" smtClean="0"/>
-              <a:t> </a:t>
-            </a:r>
-            <a:r>
-              <a:rPr lang="en-US" dirty="0" err="1" smtClean="0"/>
-              <a:t>mục</a:t>
-            </a:r>
-            <a:r>
-              <a:rPr lang="en-US" dirty="0" smtClean="0"/>
-              <a:t> </a:t>
-            </a:r>
-            <a:r>
-              <a:rPr lang="en-US" b="1" dirty="0" smtClean="0"/>
-              <a:t>ADD TO CARD</a:t>
-            </a:r>
-            <a:r>
-              <a:rPr lang="en-US" dirty="0"/>
-              <a:t> </a:t>
-            </a:r>
-            <a:r>
-              <a:rPr lang="en-US" dirty="0" err="1" smtClean="0"/>
-              <a:t>chỉ</a:t>
-            </a:r>
-            <a:r>
-              <a:rPr lang="en-US" dirty="0" smtClean="0"/>
-              <a:t> </a:t>
-            </a:r>
-            <a:r>
-              <a:rPr lang="en-US" dirty="0" err="1" smtClean="0"/>
-              <a:t>cần</a:t>
-            </a:r>
-            <a:r>
-              <a:rPr lang="en-US" dirty="0" smtClean="0"/>
-              <a:t> </a:t>
-            </a:r>
-            <a:r>
-              <a:rPr lang="en-US" dirty="0" err="1" smtClean="0"/>
-              <a:t>tích</a:t>
-            </a:r>
-            <a:r>
-              <a:rPr lang="en-US" dirty="0" smtClean="0"/>
-              <a:t> </a:t>
-            </a:r>
-            <a:r>
-              <a:rPr lang="en-US" dirty="0" err="1" smtClean="0"/>
-              <a:t>vào</a:t>
-            </a:r>
-            <a:r>
-              <a:rPr lang="en-US" dirty="0" smtClean="0"/>
-              <a:t> </a:t>
-            </a:r>
-            <a:r>
-              <a:rPr lang="en-US" dirty="0" err="1" smtClean="0"/>
-              <a:t>đó</a:t>
-            </a:r>
-            <a:r>
-              <a:rPr lang="en-US" dirty="0" smtClean="0"/>
-              <a:t> </a:t>
-            </a:r>
-            <a:r>
-              <a:rPr lang="en-US" dirty="0" err="1" smtClean="0"/>
-              <a:t>nếu</a:t>
-            </a:r>
-            <a:r>
-              <a:rPr lang="en-US" dirty="0" smtClean="0"/>
-              <a:t> </a:t>
-            </a:r>
-            <a:r>
-              <a:rPr lang="en-US" dirty="0" err="1" smtClean="0"/>
-              <a:t>chọn</a:t>
-            </a:r>
-            <a:r>
-              <a:rPr lang="en-US" dirty="0" smtClean="0"/>
-              <a:t> </a:t>
-            </a:r>
-            <a:r>
-              <a:rPr lang="en-US" dirty="0" err="1" smtClean="0"/>
-              <a:t>mua</a:t>
-            </a:r>
-            <a:r>
-              <a:rPr lang="en-US" dirty="0" smtClean="0"/>
-              <a:t> </a:t>
-            </a:r>
-            <a:r>
-              <a:rPr lang="en-US" dirty="0" err="1" smtClean="0"/>
-              <a:t>sp</a:t>
-            </a:r>
-            <a:r>
-              <a:rPr lang="en-US" dirty="0" smtClean="0"/>
-              <a:t>, </a:t>
-            </a:r>
-            <a:r>
-              <a:rPr lang="en-US" dirty="0" err="1" smtClean="0"/>
-              <a:t>khi</a:t>
-            </a:r>
-            <a:r>
-              <a:rPr lang="en-US" dirty="0" smtClean="0"/>
-              <a:t> </a:t>
-            </a:r>
-            <a:r>
-              <a:rPr lang="en-US" dirty="0" err="1" smtClean="0"/>
-              <a:t>chọn</a:t>
-            </a:r>
-            <a:r>
-              <a:rPr lang="en-US" dirty="0" smtClean="0"/>
-              <a:t> </a:t>
-            </a:r>
-            <a:r>
-              <a:rPr lang="en-US" dirty="0" err="1" smtClean="0"/>
-              <a:t>hết</a:t>
-            </a:r>
-            <a:r>
-              <a:rPr lang="en-US" dirty="0" smtClean="0"/>
-              <a:t> </a:t>
-            </a:r>
-            <a:r>
-              <a:rPr lang="en-US" dirty="0" err="1" smtClean="0"/>
-              <a:t>các</a:t>
-            </a:r>
-            <a:r>
-              <a:rPr lang="en-US" dirty="0" smtClean="0"/>
-              <a:t> </a:t>
-            </a:r>
-            <a:r>
-              <a:rPr lang="en-US" dirty="0" err="1" smtClean="0"/>
-              <a:t>sản</a:t>
-            </a:r>
-            <a:r>
-              <a:rPr lang="en-US" dirty="0" smtClean="0"/>
-              <a:t> </a:t>
-            </a:r>
-            <a:r>
-              <a:rPr lang="en-US" dirty="0" err="1" smtClean="0"/>
-              <a:t>phẩm</a:t>
-            </a:r>
-            <a:r>
-              <a:rPr lang="en-US" dirty="0"/>
-              <a:t> </a:t>
-            </a:r>
-            <a:r>
-              <a:rPr lang="en-US" dirty="0" err="1" smtClean="0"/>
-              <a:t>cần</a:t>
-            </a:r>
-            <a:r>
-              <a:rPr lang="en-US" dirty="0" smtClean="0"/>
-              <a:t> </a:t>
-            </a:r>
-            <a:r>
-              <a:rPr lang="en-US" dirty="0" err="1" smtClean="0"/>
-              <a:t>mua</a:t>
-            </a:r>
-            <a:r>
-              <a:rPr lang="en-US" dirty="0"/>
-              <a:t> </a:t>
-            </a:r>
-            <a:r>
-              <a:rPr lang="en-US" dirty="0" err="1" smtClean="0"/>
-              <a:t>thì</a:t>
-            </a:r>
-            <a:r>
-              <a:rPr lang="en-US" dirty="0" smtClean="0"/>
-              <a:t> </a:t>
-            </a:r>
-            <a:r>
-              <a:rPr lang="en-US" dirty="0" err="1" smtClean="0"/>
-              <a:t>tích</a:t>
-            </a:r>
-            <a:r>
-              <a:rPr lang="en-US" dirty="0" smtClean="0"/>
-              <a:t> </a:t>
-            </a:r>
-            <a:r>
-              <a:rPr lang="en-US" dirty="0" err="1" smtClean="0"/>
-              <a:t>vào</a:t>
-            </a:r>
-            <a:r>
-              <a:rPr lang="en-US" dirty="0" smtClean="0"/>
-              <a:t> Card </a:t>
-            </a:r>
-            <a:r>
-              <a:rPr lang="en-US" dirty="0" err="1" smtClean="0"/>
-              <a:t>bên</a:t>
-            </a:r>
-            <a:r>
-              <a:rPr lang="en-US" dirty="0" smtClean="0"/>
-              <a:t> </a:t>
-            </a:r>
-            <a:r>
-              <a:rPr lang="en-US" b="1" dirty="0" smtClean="0"/>
-              <a:t>MENU PHẢI </a:t>
-            </a:r>
-            <a:r>
-              <a:rPr lang="en-US" dirty="0" err="1" smtClean="0"/>
-              <a:t>để</a:t>
-            </a:r>
-            <a:r>
-              <a:rPr lang="en-US" dirty="0" smtClean="0"/>
-              <a:t> </a:t>
-            </a:r>
-            <a:r>
-              <a:rPr lang="en-US" dirty="0" err="1" smtClean="0"/>
-              <a:t>tiến</a:t>
-            </a:r>
-            <a:r>
-              <a:rPr lang="en-US" dirty="0" smtClean="0"/>
-              <a:t> </a:t>
-            </a:r>
-            <a:r>
-              <a:rPr lang="en-US" dirty="0" err="1" smtClean="0"/>
-              <a:t>hành</a:t>
-            </a:r>
-            <a:r>
-              <a:rPr lang="en-US" dirty="0" smtClean="0"/>
-              <a:t> </a:t>
-            </a:r>
-            <a:r>
-              <a:rPr lang="en-US" dirty="0" err="1" smtClean="0"/>
-              <a:t>thanh</a:t>
-            </a:r>
-            <a:r>
-              <a:rPr lang="en-US" dirty="0" smtClean="0"/>
-              <a:t> </a:t>
-            </a:r>
-            <a:r>
-              <a:rPr lang="en-US" dirty="0" err="1" smtClean="0"/>
-              <a:t>toán</a:t>
-            </a:r>
-            <a:r>
-              <a:rPr lang="en-US" dirty="0" smtClean="0"/>
-              <a:t>. </a:t>
-            </a:r>
-            <a:r>
-              <a:rPr lang="en-US" dirty="0" err="1" smtClean="0"/>
-              <a:t>Việc</a:t>
-            </a:r>
-            <a:r>
-              <a:rPr lang="en-US" dirty="0" smtClean="0"/>
-              <a:t> </a:t>
-            </a:r>
-            <a:r>
-              <a:rPr lang="en-US" dirty="0" err="1" smtClean="0"/>
-              <a:t>thanh</a:t>
-            </a:r>
-            <a:r>
-              <a:rPr lang="en-US" dirty="0" smtClean="0"/>
-              <a:t> </a:t>
-            </a:r>
-            <a:r>
-              <a:rPr lang="en-US" dirty="0" err="1" smtClean="0"/>
-              <a:t>toán</a:t>
-            </a:r>
-            <a:r>
-              <a:rPr lang="en-US" dirty="0" smtClean="0"/>
-              <a:t> </a:t>
-            </a:r>
-            <a:r>
-              <a:rPr lang="en-US" dirty="0" err="1" smtClean="0"/>
-              <a:t>sẽ</a:t>
-            </a:r>
-            <a:r>
-              <a:rPr lang="en-US" dirty="0" smtClean="0"/>
-              <a:t> </a:t>
-            </a:r>
-            <a:r>
-              <a:rPr lang="en-US" dirty="0" err="1" smtClean="0"/>
-              <a:t>được</a:t>
-            </a:r>
-            <a:r>
-              <a:rPr lang="en-US" dirty="0" smtClean="0"/>
-              <a:t> </a:t>
-            </a:r>
-            <a:r>
-              <a:rPr lang="en-US" dirty="0" err="1" smtClean="0"/>
-              <a:t>liên</a:t>
-            </a:r>
-            <a:r>
-              <a:rPr lang="en-US" dirty="0" smtClean="0"/>
-              <a:t> </a:t>
-            </a:r>
-            <a:r>
-              <a:rPr lang="en-US" dirty="0" err="1" smtClean="0"/>
-              <a:t>kết</a:t>
-            </a:r>
-            <a:r>
-              <a:rPr lang="en-US" dirty="0" smtClean="0"/>
-              <a:t> </a:t>
-            </a:r>
-            <a:r>
-              <a:rPr lang="en-US" dirty="0" err="1" smtClean="0"/>
-              <a:t>với</a:t>
-            </a:r>
-            <a:r>
-              <a:rPr lang="en-US" dirty="0" smtClean="0"/>
-              <a:t> </a:t>
-            </a:r>
-            <a:r>
-              <a:rPr lang="en-US" dirty="0" err="1" smtClean="0"/>
-              <a:t>các</a:t>
-            </a:r>
-            <a:r>
-              <a:rPr lang="en-US" dirty="0" smtClean="0"/>
-              <a:t> </a:t>
-            </a:r>
-            <a:r>
-              <a:rPr lang="en-US" dirty="0" err="1" smtClean="0"/>
-              <a:t>hãng</a:t>
-            </a:r>
-            <a:r>
-              <a:rPr lang="en-US" dirty="0" smtClean="0"/>
-              <a:t> </a:t>
-            </a:r>
-            <a:r>
-              <a:rPr lang="en-US" dirty="0" err="1" smtClean="0"/>
-              <a:t>thanh</a:t>
-            </a:r>
-            <a:r>
-              <a:rPr lang="en-US" dirty="0" smtClean="0"/>
-              <a:t> </a:t>
-            </a:r>
-            <a:r>
-              <a:rPr lang="en-US" dirty="0" err="1" smtClean="0"/>
-              <a:t>toán</a:t>
-            </a:r>
-            <a:endParaRPr lang="en-US" dirty="0"/>
-          </a:p>
-          <a:p>
-            <a:r>
-              <a:rPr lang="en-US" dirty="0" err="1" smtClean="0"/>
-              <a:t>Dưới</a:t>
-            </a:r>
-            <a:r>
-              <a:rPr lang="en-US" dirty="0" smtClean="0"/>
-              <a:t> </a:t>
-            </a:r>
-            <a:r>
-              <a:rPr lang="en-US" dirty="0" err="1" smtClean="0"/>
-              <a:t>mỗi</a:t>
-            </a:r>
-            <a:r>
-              <a:rPr lang="en-US" dirty="0" smtClean="0"/>
-              <a:t> </a:t>
-            </a:r>
-            <a:r>
-              <a:rPr lang="en-US" dirty="0" err="1" smtClean="0"/>
-              <a:t>sp</a:t>
-            </a:r>
-            <a:r>
-              <a:rPr lang="en-US" dirty="0" smtClean="0"/>
-              <a:t> </a:t>
-            </a:r>
-            <a:r>
-              <a:rPr lang="en-US" dirty="0" err="1" smtClean="0"/>
-              <a:t>cũng</a:t>
-            </a:r>
-            <a:r>
-              <a:rPr lang="en-US" dirty="0" smtClean="0"/>
-              <a:t> </a:t>
-            </a:r>
-            <a:r>
-              <a:rPr lang="en-US" dirty="0" err="1" smtClean="0"/>
-              <a:t>có</a:t>
-            </a:r>
-            <a:r>
-              <a:rPr lang="en-US" dirty="0"/>
-              <a:t> </a:t>
-            </a:r>
-            <a:r>
-              <a:rPr lang="en-US" dirty="0" err="1" smtClean="0"/>
-              <a:t>mục</a:t>
-            </a:r>
-            <a:r>
-              <a:rPr lang="en-US" dirty="0" smtClean="0"/>
-              <a:t> </a:t>
-            </a:r>
-            <a:r>
-              <a:rPr lang="en-US" b="1" dirty="0" smtClean="0"/>
-              <a:t>ADD TO WISH LIST </a:t>
-            </a:r>
-            <a:r>
-              <a:rPr lang="en-US" dirty="0" smtClean="0"/>
-              <a:t>(</a:t>
-            </a:r>
-            <a:r>
-              <a:rPr lang="en-US" dirty="0" err="1" smtClean="0"/>
-              <a:t>danh</a:t>
-            </a:r>
-            <a:r>
-              <a:rPr lang="en-US" dirty="0" smtClean="0"/>
-              <a:t> </a:t>
-            </a:r>
-            <a:r>
-              <a:rPr lang="en-US" dirty="0" err="1" smtClean="0"/>
-              <a:t>sách</a:t>
-            </a:r>
-            <a:r>
-              <a:rPr lang="en-US" dirty="0" smtClean="0"/>
-              <a:t> </a:t>
-            </a:r>
-            <a:r>
-              <a:rPr lang="en-US" dirty="0" err="1" smtClean="0"/>
-              <a:t>mặt</a:t>
-            </a:r>
-            <a:r>
-              <a:rPr lang="en-US" dirty="0" smtClean="0"/>
-              <a:t> hang </a:t>
-            </a:r>
-            <a:r>
-              <a:rPr lang="en-US" dirty="0" err="1" smtClean="0"/>
-              <a:t>muốn</a:t>
-            </a:r>
-            <a:r>
-              <a:rPr lang="en-US" dirty="0" smtClean="0"/>
-              <a:t> </a:t>
-            </a:r>
-            <a:r>
-              <a:rPr lang="en-US" dirty="0" err="1" smtClean="0"/>
-              <a:t>mua</a:t>
-            </a:r>
-            <a:r>
-              <a:rPr lang="en-US" dirty="0" smtClean="0"/>
-              <a:t>)</a:t>
-            </a:r>
-            <a:r>
-              <a:rPr lang="en-US" dirty="0"/>
-              <a:t> </a:t>
-            </a:r>
-            <a:r>
-              <a:rPr lang="en-US" dirty="0" err="1" smtClean="0"/>
-              <a:t>và</a:t>
-            </a:r>
-            <a:r>
-              <a:rPr lang="en-US" dirty="0" smtClean="0"/>
-              <a:t> </a:t>
-            </a:r>
-            <a:r>
-              <a:rPr lang="en-US" b="1" dirty="0" smtClean="0"/>
-              <a:t>ADD TO COMPARE </a:t>
-            </a:r>
-            <a:r>
-              <a:rPr lang="en-US" dirty="0" smtClean="0"/>
-              <a:t>(so </a:t>
-            </a:r>
-            <a:r>
-              <a:rPr lang="en-US" dirty="0" err="1" smtClean="0"/>
-              <a:t>sánh</a:t>
-            </a:r>
-            <a:r>
-              <a:rPr lang="en-US" dirty="0" smtClean="0"/>
-              <a:t> </a:t>
-            </a:r>
-            <a:r>
-              <a:rPr lang="en-US" dirty="0" err="1" smtClean="0"/>
-              <a:t>sản</a:t>
-            </a:r>
-            <a:r>
-              <a:rPr lang="en-US" dirty="0" smtClean="0"/>
-              <a:t> </a:t>
-            </a:r>
-            <a:r>
-              <a:rPr lang="en-US" dirty="0" err="1" smtClean="0"/>
-              <a:t>phẩm</a:t>
-            </a:r>
-            <a:r>
-              <a:rPr lang="en-US" dirty="0" smtClean="0"/>
-              <a:t>). </a:t>
-            </a:r>
-            <a:r>
-              <a:rPr lang="en-US" dirty="0" err="1" smtClean="0"/>
-              <a:t>Khi</a:t>
-            </a:r>
-            <a:r>
-              <a:rPr lang="en-US" dirty="0" smtClean="0"/>
-              <a:t> </a:t>
-            </a:r>
-            <a:r>
-              <a:rPr lang="en-US" dirty="0" err="1" smtClean="0"/>
-              <a:t>chọn</a:t>
-            </a:r>
-            <a:r>
-              <a:rPr lang="en-US" dirty="0" smtClean="0"/>
-              <a:t> </a:t>
-            </a:r>
-            <a:r>
-              <a:rPr lang="en-US" dirty="0" err="1" smtClean="0"/>
-              <a:t>các</a:t>
-            </a:r>
-            <a:r>
-              <a:rPr lang="en-US" dirty="0" smtClean="0"/>
-              <a:t> </a:t>
-            </a:r>
-            <a:r>
-              <a:rPr lang="en-US" dirty="0" err="1" smtClean="0"/>
-              <a:t>mục</a:t>
-            </a:r>
-            <a:r>
-              <a:rPr lang="en-US" dirty="0" smtClean="0"/>
-              <a:t> </a:t>
-            </a:r>
-            <a:r>
-              <a:rPr lang="en-US" dirty="0" err="1" smtClean="0"/>
-              <a:t>này</a:t>
-            </a:r>
-            <a:r>
-              <a:rPr lang="en-US" dirty="0" smtClean="0"/>
-              <a:t> song </a:t>
-            </a:r>
-            <a:r>
-              <a:rPr lang="en-US" dirty="0" err="1" smtClean="0"/>
-              <a:t>khách</a:t>
-            </a:r>
-            <a:r>
-              <a:rPr lang="en-US" dirty="0" smtClean="0"/>
-              <a:t> </a:t>
-            </a:r>
-            <a:r>
-              <a:rPr lang="en-US" dirty="0" err="1" smtClean="0"/>
-              <a:t>hàng</a:t>
-            </a:r>
-            <a:r>
-              <a:rPr lang="en-US" dirty="0" smtClean="0"/>
-              <a:t> </a:t>
-            </a:r>
-            <a:r>
-              <a:rPr lang="en-US" dirty="0" err="1" smtClean="0"/>
-              <a:t>muốn</a:t>
-            </a:r>
-            <a:r>
-              <a:rPr lang="en-US" dirty="0" smtClean="0"/>
-              <a:t> </a:t>
-            </a:r>
-            <a:r>
-              <a:rPr lang="en-US" dirty="0" err="1" smtClean="0"/>
-              <a:t>biết</a:t>
-            </a:r>
-            <a:r>
-              <a:rPr lang="en-US" dirty="0" smtClean="0"/>
-              <a:t> </a:t>
-            </a:r>
-            <a:r>
-              <a:rPr lang="en-US" dirty="0" err="1" smtClean="0"/>
-              <a:t>mình</a:t>
-            </a:r>
-            <a:r>
-              <a:rPr lang="en-US" dirty="0" smtClean="0"/>
-              <a:t> </a:t>
-            </a:r>
-            <a:r>
-              <a:rPr lang="en-US" dirty="0" err="1" smtClean="0"/>
-              <a:t>định</a:t>
-            </a:r>
-            <a:r>
-              <a:rPr lang="en-US" dirty="0" smtClean="0"/>
-              <a:t> </a:t>
-            </a:r>
-            <a:r>
-              <a:rPr lang="en-US" dirty="0" err="1" smtClean="0"/>
-              <a:t>mua</a:t>
-            </a:r>
-            <a:r>
-              <a:rPr lang="en-US" dirty="0" smtClean="0"/>
-              <a:t> </a:t>
-            </a:r>
-            <a:r>
-              <a:rPr lang="en-US" dirty="0" err="1" smtClean="0"/>
-              <a:t>thêm</a:t>
-            </a:r>
-            <a:r>
-              <a:rPr lang="en-US" dirty="0" smtClean="0"/>
-              <a:t> </a:t>
-            </a:r>
-            <a:r>
-              <a:rPr lang="en-US" dirty="0" err="1" smtClean="0"/>
-              <a:t>sản</a:t>
-            </a:r>
-            <a:r>
-              <a:rPr lang="en-US" dirty="0" smtClean="0"/>
-              <a:t> </a:t>
-            </a:r>
-            <a:r>
-              <a:rPr lang="en-US" dirty="0" err="1" smtClean="0"/>
-              <a:t>phẩm</a:t>
-            </a:r>
-            <a:r>
-              <a:rPr lang="en-US" dirty="0" smtClean="0"/>
-              <a:t> </a:t>
-            </a:r>
-            <a:r>
-              <a:rPr lang="en-US" dirty="0" err="1" smtClean="0"/>
-              <a:t>nào</a:t>
-            </a:r>
-            <a:r>
-              <a:rPr lang="en-US" dirty="0" smtClean="0"/>
-              <a:t> </a:t>
-            </a:r>
-            <a:r>
-              <a:rPr lang="en-US" dirty="0" err="1" smtClean="0"/>
-              <a:t>và</a:t>
-            </a:r>
-            <a:r>
-              <a:rPr lang="en-US" dirty="0" smtClean="0"/>
-              <a:t> so </a:t>
-            </a:r>
-            <a:r>
-              <a:rPr lang="en-US" dirty="0" err="1" smtClean="0"/>
-              <a:t>sánh</a:t>
-            </a:r>
-            <a:r>
-              <a:rPr lang="en-US" dirty="0" smtClean="0"/>
-              <a:t> </a:t>
-            </a:r>
-            <a:r>
-              <a:rPr lang="en-US" dirty="0" err="1" smtClean="0"/>
-              <a:t>các</a:t>
-            </a:r>
-            <a:r>
-              <a:rPr lang="en-US" dirty="0" smtClean="0"/>
-              <a:t> </a:t>
-            </a:r>
-            <a:r>
-              <a:rPr lang="en-US" dirty="0" err="1" smtClean="0"/>
-              <a:t>sản</a:t>
-            </a:r>
-            <a:r>
-              <a:rPr lang="en-US" dirty="0" smtClean="0"/>
-              <a:t> </a:t>
-            </a:r>
-            <a:r>
-              <a:rPr lang="en-US" dirty="0" err="1" smtClean="0"/>
-              <a:t>phẩm</a:t>
-            </a:r>
-            <a:r>
-              <a:rPr lang="en-US" dirty="0" smtClean="0"/>
-              <a:t> </a:t>
-            </a:r>
-            <a:r>
-              <a:rPr lang="en-US" dirty="0" err="1" smtClean="0"/>
-              <a:t>với</a:t>
-            </a:r>
-            <a:r>
-              <a:rPr lang="en-US" dirty="0" smtClean="0"/>
-              <a:t> </a:t>
-            </a:r>
-            <a:r>
-              <a:rPr lang="en-US" dirty="0" err="1" smtClean="0"/>
-              <a:t>nhau</a:t>
-            </a:r>
-            <a:r>
-              <a:rPr lang="en-US" dirty="0" smtClean="0"/>
-              <a:t> </a:t>
-            </a:r>
-            <a:r>
-              <a:rPr lang="en-US" dirty="0" err="1" smtClean="0"/>
-              <a:t>thì</a:t>
-            </a:r>
-            <a:r>
-              <a:rPr lang="en-US" dirty="0" smtClean="0"/>
-              <a:t> </a:t>
-            </a:r>
-            <a:r>
-              <a:rPr lang="en-US" dirty="0" err="1" smtClean="0"/>
-              <a:t>chỉ</a:t>
-            </a:r>
-            <a:r>
-              <a:rPr lang="en-US" dirty="0" smtClean="0"/>
-              <a:t> </a:t>
-            </a:r>
-            <a:r>
-              <a:rPr lang="en-US" dirty="0" err="1" smtClean="0"/>
-              <a:t>cần</a:t>
-            </a:r>
-            <a:r>
-              <a:rPr lang="en-US" dirty="0" smtClean="0"/>
-              <a:t> </a:t>
-            </a:r>
-            <a:r>
-              <a:rPr lang="en-US" dirty="0" err="1" smtClean="0"/>
-              <a:t>tích</a:t>
-            </a:r>
-            <a:r>
-              <a:rPr lang="en-US" dirty="0" smtClean="0"/>
-              <a:t> </a:t>
-            </a:r>
-            <a:r>
-              <a:rPr lang="en-US" dirty="0" err="1" smtClean="0"/>
-              <a:t>vào</a:t>
-            </a:r>
-            <a:r>
-              <a:rPr lang="en-US" dirty="0" smtClean="0"/>
-              <a:t> </a:t>
-            </a:r>
-            <a:r>
-              <a:rPr lang="en-US" dirty="0" err="1" smtClean="0"/>
-              <a:t>các</a:t>
-            </a:r>
-            <a:r>
-              <a:rPr lang="en-US" dirty="0" smtClean="0"/>
-              <a:t> </a:t>
-            </a:r>
-            <a:r>
-              <a:rPr lang="en-US" dirty="0" err="1" smtClean="0"/>
-              <a:t>mục</a:t>
-            </a:r>
-            <a:r>
-              <a:rPr lang="en-US" dirty="0" smtClean="0"/>
-              <a:t> </a:t>
-            </a:r>
-            <a:r>
-              <a:rPr lang="en-US" dirty="0" err="1" smtClean="0"/>
-              <a:t>tương</a:t>
-            </a:r>
-            <a:r>
-              <a:rPr lang="en-US" dirty="0" smtClean="0"/>
-              <a:t> </a:t>
-            </a:r>
-            <a:r>
-              <a:rPr lang="en-US" dirty="0" err="1" smtClean="0"/>
-              <a:t>ứng</a:t>
-            </a:r>
-            <a:r>
-              <a:rPr lang="en-US" dirty="0" smtClean="0"/>
-              <a:t> </a:t>
-            </a:r>
-            <a:r>
-              <a:rPr lang="en-US" dirty="0" err="1" smtClean="0"/>
-              <a:t>bên</a:t>
-            </a:r>
-            <a:r>
-              <a:rPr lang="en-US" dirty="0" smtClean="0"/>
-              <a:t> </a:t>
-            </a:r>
-            <a:r>
-              <a:rPr lang="en-US" b="1" dirty="0" smtClean="0"/>
-              <a:t>MENU PHẢI.</a:t>
-            </a:r>
+            <a:pPr lvl="0"/>
+            <a:r>
+              <a:rPr lang="en-US" dirty="0"/>
+              <a:t>HTML5/ CSS/ JavaScript</a:t>
+            </a:r>
+          </a:p>
+          <a:p>
+            <a:pPr lvl="0"/>
+            <a:r>
+              <a:rPr lang="en-US" dirty="0" err="1"/>
+              <a:t>Boostrap</a:t>
+            </a:r>
+            <a:r>
+              <a:rPr lang="en-US" dirty="0"/>
+              <a:t> / </a:t>
+            </a:r>
+            <a:r>
+              <a:rPr lang="en-US" dirty="0" err="1"/>
+              <a:t>Jquery</a:t>
+            </a:r>
+            <a:r>
+              <a:rPr lang="en-US" dirty="0"/>
+              <a:t>/ </a:t>
+            </a:r>
+            <a:r>
+              <a:rPr lang="en-US" dirty="0" err="1"/>
+              <a:t>Boostrap</a:t>
+            </a:r>
+            <a:r>
+              <a:rPr lang="en-US" dirty="0"/>
+              <a:t> Hover/</a:t>
+            </a:r>
+            <a:r>
+              <a:rPr lang="en-US" dirty="0" err="1"/>
+              <a:t>AngularJS</a:t>
+            </a:r>
+            <a:endParaRPr lang="en-US" dirty="0"/>
+          </a:p>
+          <a:p>
+            <a:pPr lvl="0"/>
+            <a:r>
+              <a:rPr lang="en-US" dirty="0"/>
+              <a:t>Amazing Slider</a:t>
+            </a:r>
+          </a:p>
+          <a:p>
+            <a:pPr lvl="0"/>
+            <a:r>
+              <a:rPr lang="en-US" dirty="0"/>
+              <a:t>Dreamweaver</a:t>
+            </a:r>
+          </a:p>
+          <a:p>
+            <a:pPr lvl="0"/>
+            <a:r>
+              <a:rPr lang="en-US" dirty="0"/>
+              <a:t>Google Chrome/ Mozilla </a:t>
+            </a:r>
+            <a:r>
+              <a:rPr lang="en-US" dirty="0" err="1"/>
+              <a:t>FireFox</a:t>
+            </a:r>
+            <a:r>
+              <a:rPr lang="en-US" dirty="0"/>
+              <a:t>/ Internet Explorer</a:t>
+            </a:r>
+          </a:p>
+          <a:p>
+            <a:endParaRPr lang="en-US" dirty="0"/>
+          </a:p>
+        </p:txBody>
+      </p:sp>
+      <p:sp>
+        <p:nvSpPr>
+          <p:cNvPr id="4" name="Content Placeholder 3"/>
+          <p:cNvSpPr>
+            <a:spLocks noGrp="1"/>
+          </p:cNvSpPr>
+          <p:nvPr>
+            <p:ph sz="half" idx="2"/>
+          </p:nvPr>
+        </p:nvSpPr>
+        <p:spPr/>
+        <p:txBody>
+          <a:bodyPr>
+            <a:normAutofit lnSpcReduction="10000"/>
+          </a:bodyPr>
+          <a:lstStyle/>
+          <a:p>
+            <a:pPr lvl="0"/>
+            <a:r>
+              <a:rPr lang="en-US" dirty="0"/>
+              <a:t>Ajax</a:t>
+            </a:r>
+          </a:p>
+          <a:p>
+            <a:pPr lvl="0"/>
+            <a:r>
+              <a:rPr lang="en-US" dirty="0"/>
+              <a:t>Methodology: Scrum</a:t>
+            </a:r>
+          </a:p>
+          <a:p>
+            <a:pPr lvl="0"/>
+            <a:r>
+              <a:rPr lang="en-US" dirty="0" err="1"/>
+              <a:t>ElevateZoom</a:t>
+            </a:r>
+            <a:endParaRPr lang="en-US" dirty="0"/>
+          </a:p>
+          <a:p>
+            <a:pPr lvl="0"/>
+            <a:r>
+              <a:rPr lang="en-US" dirty="0"/>
+              <a:t>Local Storage</a:t>
+            </a:r>
+          </a:p>
+          <a:p>
+            <a:pPr lvl="0"/>
+            <a:r>
+              <a:rPr lang="en-US" dirty="0" err="1"/>
+              <a:t>Json</a:t>
+            </a:r>
+            <a:endParaRPr lang="en-US" dirty="0"/>
+          </a:p>
+          <a:p>
+            <a:endParaRPr lang="en-US" dirty="0"/>
           </a:p>
         </p:txBody>
       </p:sp>
     </p:spTree>
     <p:extLst>
       <p:ext uri="{BB962C8B-B14F-4D97-AF65-F5344CB8AC3E}">
-        <p14:creationId xmlns:p14="http://schemas.microsoft.com/office/powerpoint/2010/main" val="3828382951"/>
+        <p14:creationId xmlns:p14="http://schemas.microsoft.com/office/powerpoint/2010/main" val="2931794813"/>
       </p:ext>
     </p:extLst>
   </p:cSld>
